--- a/education success ppt.pptx
+++ b/education success ppt.pptx
@@ -9,26 +9,28 @@
     <p:sldId id="257" r:id="rId3"/>
     <p:sldId id="258" r:id="rId4"/>
     <p:sldId id="259" r:id="rId5"/>
-    <p:sldId id="260" r:id="rId6"/>
-    <p:sldId id="261" r:id="rId7"/>
-    <p:sldId id="262" r:id="rId8"/>
-    <p:sldId id="277" r:id="rId9"/>
-    <p:sldId id="263" r:id="rId10"/>
-    <p:sldId id="276" r:id="rId11"/>
-    <p:sldId id="264" r:id="rId12"/>
-    <p:sldId id="265" r:id="rId13"/>
-    <p:sldId id="266" r:id="rId14"/>
-    <p:sldId id="267" r:id="rId15"/>
-    <p:sldId id="268" r:id="rId16"/>
-    <p:sldId id="269" r:id="rId17"/>
-    <p:sldId id="270" r:id="rId18"/>
-    <p:sldId id="271" r:id="rId19"/>
-    <p:sldId id="272" r:id="rId20"/>
-    <p:sldId id="273" r:id="rId21"/>
-    <p:sldId id="274" r:id="rId22"/>
-    <p:sldId id="275" r:id="rId23"/>
-    <p:sldId id="278" r:id="rId24"/>
-    <p:sldId id="279" r:id="rId25"/>
+    <p:sldId id="281" r:id="rId6"/>
+    <p:sldId id="280" r:id="rId7"/>
+    <p:sldId id="260" r:id="rId8"/>
+    <p:sldId id="261" r:id="rId9"/>
+    <p:sldId id="262" r:id="rId10"/>
+    <p:sldId id="277" r:id="rId11"/>
+    <p:sldId id="263" r:id="rId12"/>
+    <p:sldId id="276" r:id="rId13"/>
+    <p:sldId id="264" r:id="rId14"/>
+    <p:sldId id="265" r:id="rId15"/>
+    <p:sldId id="266" r:id="rId16"/>
+    <p:sldId id="267" r:id="rId17"/>
+    <p:sldId id="268" r:id="rId18"/>
+    <p:sldId id="269" r:id="rId19"/>
+    <p:sldId id="270" r:id="rId20"/>
+    <p:sldId id="271" r:id="rId21"/>
+    <p:sldId id="272" r:id="rId22"/>
+    <p:sldId id="273" r:id="rId23"/>
+    <p:sldId id="274" r:id="rId24"/>
+    <p:sldId id="275" r:id="rId25"/>
+    <p:sldId id="278" r:id="rId26"/>
+    <p:sldId id="279" r:id="rId27"/>
   </p:sldIdLst>
   <p:sldSz cx="12192000" cy="6858000"/>
   <p:notesSz cx="6858000" cy="9144000"/>
@@ -3950,7 +3952,7 @@
           <p:cNvPr id="2" name="Title 1">
             <a:extLst>
               <a:ext uri="{FF2B5EF4-FFF2-40B4-BE49-F238E27FC236}">
-                <a16:creationId xmlns:a16="http://schemas.microsoft.com/office/drawing/2014/main" id="{4C199A76-36A0-42D5-827E-FE4C1766580E}"/>
+                <a16:creationId xmlns:a16="http://schemas.microsoft.com/office/drawing/2014/main" id="{EA354E99-742C-4954-AE92-570F0C710DB1}"/>
               </a:ext>
             </a:extLst>
           </p:cNvPr>
@@ -3963,66 +3965,23 @@
         </p:nvSpPr>
         <p:spPr/>
         <p:txBody>
-          <a:bodyPr>
-            <a:noAutofit/>
-          </a:bodyPr>
-          <a:lstStyle/>
-          <a:p>
-            <a:r>
-              <a:rPr lang="en-US" sz="4000" dirty="0">
-                <a:latin typeface="Times New Roman" panose="02020603050405020304" pitchFamily="18" charset="0"/>
-                <a:cs typeface="Times New Roman" panose="02020603050405020304" pitchFamily="18" charset="0"/>
-              </a:rPr>
-              <a:t>INSIGHT ON CORRELATION BETWEEN UNIVERSITY GPA AND STARTING SALARY</a:t>
-            </a:r>
-          </a:p>
-        </p:txBody>
-      </p:sp>
-      <p:sp>
-        <p:nvSpPr>
-          <p:cNvPr id="3" name="Content Placeholder 2">
-            <a:extLst>
-              <a:ext uri="{FF2B5EF4-FFF2-40B4-BE49-F238E27FC236}">
-                <a16:creationId xmlns:a16="http://schemas.microsoft.com/office/drawing/2014/main" id="{EBADCD37-EE2C-4F2C-92D0-CE35AAC2FEBA}"/>
-              </a:ext>
-            </a:extLst>
-          </p:cNvPr>
-          <p:cNvSpPr>
-            <a:spLocks noGrp="1"/>
-          </p:cNvSpPr>
-          <p:nvPr>
-            <p:ph idx="1"/>
-          </p:nvPr>
-        </p:nvSpPr>
-        <p:spPr/>
-        <p:txBody>
-          <a:bodyPr>
-            <a:normAutofit fontScale="92500"/>
-          </a:bodyPr>
-          <a:lstStyle/>
-          <a:p>
-            <a:r>
-              <a:rPr lang="en-GB" sz="3600" b="0" i="0" dirty="0">
-                <a:solidFill>
-                  <a:srgbClr val="1F1F1F"/>
-                </a:solidFill>
-                <a:effectLst/>
-                <a:latin typeface="Times New Roman" panose="02020603050405020304" pitchFamily="18" charset="0"/>
-                <a:cs typeface="Times New Roman" panose="02020603050405020304" pitchFamily="18" charset="0"/>
-              </a:rPr>
-              <a:t>The correlation coefficient of 0.956 between university GPA and starting salary indicates a very strong positive relationship. This suggests that students with higher academic performance tend to secure higher-paying jobs after graduation. The result highlights the importance of academic excellence in influencing early career earnings, although other factors such as experience and skills also contribute to career success.</a:t>
-            </a:r>
-            <a:endParaRPr lang="en-US" sz="3600" dirty="0">
-              <a:latin typeface="Times New Roman" panose="02020603050405020304" pitchFamily="18" charset="0"/>
-              <a:cs typeface="Times New Roman" panose="02020603050405020304" pitchFamily="18" charset="0"/>
-            </a:endParaRPr>
+          <a:bodyPr/>
+          <a:lstStyle/>
+          <a:p>
+            <a:r>
+              <a:rPr lang="en-US" dirty="0">
+                <a:latin typeface="Times New Roman" panose="02020603050405020304" pitchFamily="18" charset="0"/>
+                <a:cs typeface="Times New Roman" panose="02020603050405020304" pitchFamily="18" charset="0"/>
+              </a:rPr>
+              <a:t>ANALYSIS</a:t>
+            </a:r>
           </a:p>
         </p:txBody>
       </p:sp>
     </p:spTree>
     <p:extLst>
       <p:ext uri="{BB962C8B-B14F-4D97-AF65-F5344CB8AC3E}">
-        <p14:creationId xmlns:p14="http://schemas.microsoft.com/office/powerpoint/2010/main" val="1833113227"/>
+        <p14:creationId xmlns:p14="http://schemas.microsoft.com/office/powerpoint/2010/main" val="3882044890"/>
       </p:ext>
     </p:extLst>
   </p:cSld>
@@ -4054,6 +4013,205 @@
           <p:cNvPr id="2" name="Title 1">
             <a:extLst>
               <a:ext uri="{FF2B5EF4-FFF2-40B4-BE49-F238E27FC236}">
+                <a16:creationId xmlns:a16="http://schemas.microsoft.com/office/drawing/2014/main" id="{9F7192CB-C1CD-4338-A5A3-7922D04C2489}"/>
+              </a:ext>
+            </a:extLst>
+          </p:cNvPr>
+          <p:cNvSpPr>
+            <a:spLocks noGrp="1"/>
+          </p:cNvSpPr>
+          <p:nvPr>
+            <p:ph type="title"/>
+          </p:nvPr>
+        </p:nvSpPr>
+        <p:spPr/>
+        <p:txBody>
+          <a:bodyPr>
+            <a:normAutofit/>
+          </a:bodyPr>
+          <a:lstStyle/>
+          <a:p>
+            <a:r>
+              <a:rPr lang="en-US" sz="2800" dirty="0">
+                <a:latin typeface="Times New Roman" panose="02020603050405020304" pitchFamily="18" charset="0"/>
+                <a:cs typeface="Times New Roman" panose="02020603050405020304" pitchFamily="18" charset="0"/>
+              </a:rPr>
+              <a:t>ACADEMIC PERFORMANCE(GPA) AND STARTING SALARY</a:t>
+            </a:r>
+          </a:p>
+        </p:txBody>
+      </p:sp>
+      <p:pic>
+        <p:nvPicPr>
+          <p:cNvPr id="4" name="Content Placeholder 3">
+            <a:extLst>
+              <a:ext uri="{FF2B5EF4-FFF2-40B4-BE49-F238E27FC236}">
+                <a16:creationId xmlns:a16="http://schemas.microsoft.com/office/drawing/2014/main" id="{8A20236B-A1D3-4CB7-A4B5-FC5D925CC028}"/>
+              </a:ext>
+            </a:extLst>
+          </p:cNvPr>
+          <p:cNvPicPr>
+            <a:picLocks noGrp="1" noChangeAspect="1"/>
+          </p:cNvPicPr>
+          <p:nvPr>
+            <p:ph idx="1"/>
+          </p:nvPr>
+        </p:nvPicPr>
+        <p:blipFill>
+          <a:blip r:embed="rId2"/>
+          <a:stretch>
+            <a:fillRect/>
+          </a:stretch>
+        </p:blipFill>
+        <p:spPr>
+          <a:xfrm>
+            <a:off x="3040647" y="1846263"/>
+            <a:ext cx="6171031" cy="4022725"/>
+          </a:xfrm>
+          <a:prstGeom prst="rect">
+            <a:avLst/>
+          </a:prstGeom>
+        </p:spPr>
+      </p:pic>
+    </p:spTree>
+    <p:extLst>
+      <p:ext uri="{BB962C8B-B14F-4D97-AF65-F5344CB8AC3E}">
+        <p14:creationId xmlns:p14="http://schemas.microsoft.com/office/powerpoint/2010/main" val="1816854155"/>
+      </p:ext>
+    </p:extLst>
+  </p:cSld>
+  <p:clrMapOvr>
+    <a:masterClrMapping/>
+  </p:clrMapOvr>
+</p:sld>
+</file>
+
+<file path=ppt/slides/slide12.xml><?xml version="1.0" encoding="utf-8"?>
+<p:sld xmlns:a="http://schemas.openxmlformats.org/drawingml/2006/main" xmlns:r="http://schemas.openxmlformats.org/officeDocument/2006/relationships" xmlns:p="http://schemas.openxmlformats.org/presentationml/2006/main">
+  <p:cSld>
+    <p:spTree>
+      <p:nvGrpSpPr>
+        <p:cNvPr id="1" name=""/>
+        <p:cNvGrpSpPr/>
+        <p:nvPr/>
+      </p:nvGrpSpPr>
+      <p:grpSpPr>
+        <a:xfrm>
+          <a:off x="0" y="0"/>
+          <a:ext cx="0" cy="0"/>
+          <a:chOff x="0" y="0"/>
+          <a:chExt cx="0" cy="0"/>
+        </a:xfrm>
+      </p:grpSpPr>
+      <p:sp>
+        <p:nvSpPr>
+          <p:cNvPr id="2" name="Title 1">
+            <a:extLst>
+              <a:ext uri="{FF2B5EF4-FFF2-40B4-BE49-F238E27FC236}">
+                <a16:creationId xmlns:a16="http://schemas.microsoft.com/office/drawing/2014/main" id="{4C199A76-36A0-42D5-827E-FE4C1766580E}"/>
+              </a:ext>
+            </a:extLst>
+          </p:cNvPr>
+          <p:cNvSpPr>
+            <a:spLocks noGrp="1"/>
+          </p:cNvSpPr>
+          <p:nvPr>
+            <p:ph type="title"/>
+          </p:nvPr>
+        </p:nvSpPr>
+        <p:spPr/>
+        <p:txBody>
+          <a:bodyPr>
+            <a:noAutofit/>
+          </a:bodyPr>
+          <a:lstStyle/>
+          <a:p>
+            <a:r>
+              <a:rPr lang="en-US" sz="4000" dirty="0">
+                <a:latin typeface="Times New Roman" panose="02020603050405020304" pitchFamily="18" charset="0"/>
+                <a:cs typeface="Times New Roman" panose="02020603050405020304" pitchFamily="18" charset="0"/>
+              </a:rPr>
+              <a:t>INSIGHT ON CORRELATION BETWEEN UNIVERSITY GPA AND STARTING SALARY</a:t>
+            </a:r>
+          </a:p>
+        </p:txBody>
+      </p:sp>
+      <p:sp>
+        <p:nvSpPr>
+          <p:cNvPr id="3" name="Content Placeholder 2">
+            <a:extLst>
+              <a:ext uri="{FF2B5EF4-FFF2-40B4-BE49-F238E27FC236}">
+                <a16:creationId xmlns:a16="http://schemas.microsoft.com/office/drawing/2014/main" id="{EBADCD37-EE2C-4F2C-92D0-CE35AAC2FEBA}"/>
+              </a:ext>
+            </a:extLst>
+          </p:cNvPr>
+          <p:cNvSpPr>
+            <a:spLocks noGrp="1"/>
+          </p:cNvSpPr>
+          <p:nvPr>
+            <p:ph idx="1"/>
+          </p:nvPr>
+        </p:nvSpPr>
+        <p:spPr/>
+        <p:txBody>
+          <a:bodyPr>
+            <a:normAutofit fontScale="92500"/>
+          </a:bodyPr>
+          <a:lstStyle/>
+          <a:p>
+            <a:r>
+              <a:rPr lang="en-GB" sz="3600" b="0" i="0" dirty="0">
+                <a:solidFill>
+                  <a:srgbClr val="1F1F1F"/>
+                </a:solidFill>
+                <a:effectLst/>
+                <a:latin typeface="Times New Roman" panose="02020603050405020304" pitchFamily="18" charset="0"/>
+                <a:cs typeface="Times New Roman" panose="02020603050405020304" pitchFamily="18" charset="0"/>
+              </a:rPr>
+              <a:t>The correlation coefficient of 0.956 between university GPA and starting salary indicates a very strong positive relationship. This suggests that students with higher academic performance tend to secure higher-paying jobs after graduation. The result highlights the importance of academic excellence in influencing early career earnings, although other factors such as experience and skills also contribute to career success.</a:t>
+            </a:r>
+            <a:endParaRPr lang="en-US" sz="3600" dirty="0">
+              <a:latin typeface="Times New Roman" panose="02020603050405020304" pitchFamily="18" charset="0"/>
+              <a:cs typeface="Times New Roman" panose="02020603050405020304" pitchFamily="18" charset="0"/>
+            </a:endParaRPr>
+          </a:p>
+        </p:txBody>
+      </p:sp>
+    </p:spTree>
+    <p:extLst>
+      <p:ext uri="{BB962C8B-B14F-4D97-AF65-F5344CB8AC3E}">
+        <p14:creationId xmlns:p14="http://schemas.microsoft.com/office/powerpoint/2010/main" val="1833113227"/>
+      </p:ext>
+    </p:extLst>
+  </p:cSld>
+  <p:clrMapOvr>
+    <a:masterClrMapping/>
+  </p:clrMapOvr>
+</p:sld>
+</file>
+
+<file path=ppt/slides/slide13.xml><?xml version="1.0" encoding="utf-8"?>
+<p:sld xmlns:a="http://schemas.openxmlformats.org/drawingml/2006/main" xmlns:r="http://schemas.openxmlformats.org/officeDocument/2006/relationships" xmlns:p="http://schemas.openxmlformats.org/presentationml/2006/main">
+  <p:cSld>
+    <p:spTree>
+      <p:nvGrpSpPr>
+        <p:cNvPr id="1" name=""/>
+        <p:cNvGrpSpPr/>
+        <p:nvPr/>
+      </p:nvGrpSpPr>
+      <p:grpSpPr>
+        <a:xfrm>
+          <a:off x="0" y="0"/>
+          <a:ext cx="0" cy="0"/>
+          <a:chOff x="0" y="0"/>
+          <a:chExt cx="0" cy="0"/>
+        </a:xfrm>
+      </p:grpSpPr>
+      <p:sp>
+        <p:nvSpPr>
+          <p:cNvPr id="2" name="Title 1">
+            <a:extLst>
+              <a:ext uri="{FF2B5EF4-FFF2-40B4-BE49-F238E27FC236}">
                 <a16:creationId xmlns:a16="http://schemas.microsoft.com/office/drawing/2014/main" id="{E8577886-BBA0-4AB7-AD3C-FE0C03ECCF9E}"/>
               </a:ext>
             </a:extLst>
@@ -4171,7 +4329,7 @@
 </p:sld>
 </file>
 
-<file path=ppt/slides/slide12.xml><?xml version="1.0" encoding="utf-8"?>
+<file path=ppt/slides/slide14.xml><?xml version="1.0" encoding="utf-8"?>
 <p:sld xmlns:a="http://schemas.openxmlformats.org/drawingml/2006/main" xmlns:r="http://schemas.openxmlformats.org/officeDocument/2006/relationships" xmlns:p="http://schemas.openxmlformats.org/presentationml/2006/main">
   <p:cSld>
     <p:spTree>
@@ -4271,7 +4429,7 @@
 </p:sld>
 </file>
 
-<file path=ppt/slides/slide13.xml><?xml version="1.0" encoding="utf-8"?>
+<file path=ppt/slides/slide15.xml><?xml version="1.0" encoding="utf-8"?>
 <p:sld xmlns:a="http://schemas.openxmlformats.org/drawingml/2006/main" xmlns:r="http://schemas.openxmlformats.org/officeDocument/2006/relationships" xmlns:p="http://schemas.openxmlformats.org/presentationml/2006/main">
   <p:cSld>
     <p:spTree>
@@ -4376,7 +4534,7 @@
 </p:sld>
 </file>
 
-<file path=ppt/slides/slide14.xml><?xml version="1.0" encoding="utf-8"?>
+<file path=ppt/slides/slide16.xml><?xml version="1.0" encoding="utf-8"?>
 <p:sld xmlns:a="http://schemas.openxmlformats.org/drawingml/2006/main" xmlns:r="http://schemas.openxmlformats.org/officeDocument/2006/relationships" xmlns:p="http://schemas.openxmlformats.org/presentationml/2006/main">
   <p:cSld>
     <p:spTree>
@@ -4476,7 +4634,7 @@
 </p:sld>
 </file>
 
-<file path=ppt/slides/slide15.xml><?xml version="1.0" encoding="utf-8"?>
+<file path=ppt/slides/slide17.xml><?xml version="1.0" encoding="utf-8"?>
 <p:sld xmlns:a="http://schemas.openxmlformats.org/drawingml/2006/main" xmlns:r="http://schemas.openxmlformats.org/officeDocument/2006/relationships" xmlns:p="http://schemas.openxmlformats.org/presentationml/2006/main">
   <p:cSld>
     <p:spTree>
@@ -4585,7 +4743,7 @@
 </p:sld>
 </file>
 
-<file path=ppt/slides/slide16.xml><?xml version="1.0" encoding="utf-8"?>
+<file path=ppt/slides/slide18.xml><?xml version="1.0" encoding="utf-8"?>
 <p:sld xmlns:a="http://schemas.openxmlformats.org/drawingml/2006/main" xmlns:r="http://schemas.openxmlformats.org/officeDocument/2006/relationships" xmlns:p="http://schemas.openxmlformats.org/presentationml/2006/main">
   <p:cSld>
     <p:spTree>
@@ -4680,7 +4838,7 @@
 </p:sld>
 </file>
 
-<file path=ppt/slides/slide17.xml><?xml version="1.0" encoding="utf-8"?>
+<file path=ppt/slides/slide19.xml><?xml version="1.0" encoding="utf-8"?>
 <p:sld xmlns:a="http://schemas.openxmlformats.org/drawingml/2006/main" xmlns:r="http://schemas.openxmlformats.org/officeDocument/2006/relationships" xmlns:p="http://schemas.openxmlformats.org/presentationml/2006/main">
   <p:cSld>
     <p:spTree>
@@ -4784,7 +4942,128 @@
 </p:sld>
 </file>
 
-<file path=ppt/slides/slide18.xml><?xml version="1.0" encoding="utf-8"?>
+<file path=ppt/slides/slide2.xml><?xml version="1.0" encoding="utf-8"?>
+<p:sld xmlns:a="http://schemas.openxmlformats.org/drawingml/2006/main" xmlns:r="http://schemas.openxmlformats.org/officeDocument/2006/relationships" xmlns:p="http://schemas.openxmlformats.org/presentationml/2006/main">
+  <p:cSld>
+    <p:spTree>
+      <p:nvGrpSpPr>
+        <p:cNvPr id="1" name=""/>
+        <p:cNvGrpSpPr/>
+        <p:nvPr/>
+      </p:nvGrpSpPr>
+      <p:grpSpPr>
+        <a:xfrm>
+          <a:off x="0" y="0"/>
+          <a:ext cx="0" cy="0"/>
+          <a:chOff x="0" y="0"/>
+          <a:chExt cx="0" cy="0"/>
+        </a:xfrm>
+      </p:grpSpPr>
+      <p:sp>
+        <p:nvSpPr>
+          <p:cNvPr id="2" name="Title 1">
+            <a:extLst>
+              <a:ext uri="{FF2B5EF4-FFF2-40B4-BE49-F238E27FC236}">
+                <a16:creationId xmlns:a16="http://schemas.microsoft.com/office/drawing/2014/main" id="{C7165A1A-30F8-4BAC-B9C5-BD3DF0E1E3B3}"/>
+              </a:ext>
+            </a:extLst>
+          </p:cNvPr>
+          <p:cNvSpPr>
+            <a:spLocks noGrp="1"/>
+          </p:cNvSpPr>
+          <p:nvPr>
+            <p:ph type="title"/>
+          </p:nvPr>
+        </p:nvSpPr>
+        <p:spPr>
+          <a:xfrm>
+            <a:off x="1097280" y="286603"/>
+            <a:ext cx="10058400" cy="1868018"/>
+          </a:xfrm>
+        </p:spPr>
+        <p:txBody>
+          <a:bodyPr>
+            <a:normAutofit/>
+          </a:bodyPr>
+          <a:lstStyle/>
+          <a:p>
+            <a:r>
+              <a:rPr lang="en-US" sz="6700" dirty="0">
+                <a:latin typeface="Times New Roman" panose="02020603050405020304" pitchFamily="18" charset="0"/>
+                <a:cs typeface="Times New Roman" panose="02020603050405020304" pitchFamily="18" charset="0"/>
+              </a:rPr>
+              <a:t>INTRODUCTION</a:t>
+            </a:r>
+            <a:br>
+              <a:rPr lang="en-US" dirty="0"/>
+            </a:br>
+            <a:endParaRPr lang="en-US" dirty="0"/>
+          </a:p>
+        </p:txBody>
+      </p:sp>
+      <p:sp>
+        <p:nvSpPr>
+          <p:cNvPr id="3" name="Content Placeholder 2">
+            <a:extLst>
+              <a:ext uri="{FF2B5EF4-FFF2-40B4-BE49-F238E27FC236}">
+                <a16:creationId xmlns:a16="http://schemas.microsoft.com/office/drawing/2014/main" id="{6D3386AE-442B-413A-8660-C1E34974B9B5}"/>
+              </a:ext>
+            </a:extLst>
+          </p:cNvPr>
+          <p:cNvSpPr>
+            <a:spLocks noGrp="1"/>
+          </p:cNvSpPr>
+          <p:nvPr>
+            <p:ph idx="1"/>
+          </p:nvPr>
+        </p:nvSpPr>
+        <p:spPr/>
+        <p:txBody>
+          <a:bodyPr>
+            <a:normAutofit fontScale="62500" lnSpcReduction="20000"/>
+          </a:bodyPr>
+          <a:lstStyle/>
+          <a:p>
+            <a:endParaRPr lang="en-GB" dirty="0"/>
+          </a:p>
+          <a:p>
+            <a:r>
+              <a:rPr lang="en-GB" sz="3800" dirty="0">
+                <a:latin typeface="Times New Roman" panose="02020603050405020304" pitchFamily="18" charset="0"/>
+                <a:cs typeface="Times New Roman" panose="02020603050405020304" pitchFamily="18" charset="0"/>
+              </a:rPr>
+              <a:t>In today’s competitive job market, academic qualifications alone are no longer sufficient to guarantee career success. Employers increasingly value practical experience, technical competence, soft skills, and the ability to network effectively. As a result, students are encouraged to combine strong academic performance with internships, projects, certifications, and personal skill development to improve their employability and long-term career outcomes.</a:t>
+            </a:r>
+          </a:p>
+          <a:p>
+            <a:r>
+              <a:rPr lang="en-GB" sz="3800" dirty="0">
+                <a:latin typeface="Times New Roman" panose="02020603050405020304" pitchFamily="18" charset="0"/>
+                <a:cs typeface="Times New Roman" panose="02020603050405020304" pitchFamily="18" charset="0"/>
+              </a:rPr>
+              <a:t>This project seeks to examine how students’ academic achievements, practical experience, and soft skills contribute to their early career success. By analysing real world data that includes educational background, skill levels, and employment outcomes, the study provides insight into the key factors that influence job opportunities, salary levels, career satisfaction, and professional growth.</a:t>
+            </a:r>
+            <a:endParaRPr lang="en-US" sz="3800" dirty="0">
+              <a:latin typeface="Times New Roman" panose="02020603050405020304" pitchFamily="18" charset="0"/>
+              <a:cs typeface="Times New Roman" panose="02020603050405020304" pitchFamily="18" charset="0"/>
+            </a:endParaRPr>
+          </a:p>
+        </p:txBody>
+      </p:sp>
+    </p:spTree>
+    <p:extLst>
+      <p:ext uri="{BB962C8B-B14F-4D97-AF65-F5344CB8AC3E}">
+        <p14:creationId xmlns:p14="http://schemas.microsoft.com/office/powerpoint/2010/main" val="3362879391"/>
+      </p:ext>
+    </p:extLst>
+  </p:cSld>
+  <p:clrMapOvr>
+    <a:masterClrMapping/>
+  </p:clrMapOvr>
+</p:sld>
+</file>
+
+<file path=ppt/slides/slide20.xml><?xml version="1.0" encoding="utf-8"?>
 <p:sld xmlns:a="http://schemas.openxmlformats.org/drawingml/2006/main" xmlns:r="http://schemas.openxmlformats.org/officeDocument/2006/relationships" xmlns:p="http://schemas.openxmlformats.org/presentationml/2006/main">
   <p:cSld>
     <p:spTree>
@@ -4879,7 +5158,7 @@
 </p:sld>
 </file>
 
-<file path=ppt/slides/slide19.xml><?xml version="1.0" encoding="utf-8"?>
+<file path=ppt/slides/slide21.xml><?xml version="1.0" encoding="utf-8"?>
 <p:sld xmlns:a="http://schemas.openxmlformats.org/drawingml/2006/main" xmlns:r="http://schemas.openxmlformats.org/officeDocument/2006/relationships" xmlns:p="http://schemas.openxmlformats.org/presentationml/2006/main">
   <p:cSld>
     <p:spTree>
@@ -4974,128 +5253,7 @@
 </p:sld>
 </file>
 
-<file path=ppt/slides/slide2.xml><?xml version="1.0" encoding="utf-8"?>
-<p:sld xmlns:a="http://schemas.openxmlformats.org/drawingml/2006/main" xmlns:r="http://schemas.openxmlformats.org/officeDocument/2006/relationships" xmlns:p="http://schemas.openxmlformats.org/presentationml/2006/main">
-  <p:cSld>
-    <p:spTree>
-      <p:nvGrpSpPr>
-        <p:cNvPr id="1" name=""/>
-        <p:cNvGrpSpPr/>
-        <p:nvPr/>
-      </p:nvGrpSpPr>
-      <p:grpSpPr>
-        <a:xfrm>
-          <a:off x="0" y="0"/>
-          <a:ext cx="0" cy="0"/>
-          <a:chOff x="0" y="0"/>
-          <a:chExt cx="0" cy="0"/>
-        </a:xfrm>
-      </p:grpSpPr>
-      <p:sp>
-        <p:nvSpPr>
-          <p:cNvPr id="2" name="Title 1">
-            <a:extLst>
-              <a:ext uri="{FF2B5EF4-FFF2-40B4-BE49-F238E27FC236}">
-                <a16:creationId xmlns:a16="http://schemas.microsoft.com/office/drawing/2014/main" id="{C7165A1A-30F8-4BAC-B9C5-BD3DF0E1E3B3}"/>
-              </a:ext>
-            </a:extLst>
-          </p:cNvPr>
-          <p:cNvSpPr>
-            <a:spLocks noGrp="1"/>
-          </p:cNvSpPr>
-          <p:nvPr>
-            <p:ph type="title"/>
-          </p:nvPr>
-        </p:nvSpPr>
-        <p:spPr>
-          <a:xfrm>
-            <a:off x="1097280" y="286603"/>
-            <a:ext cx="10058400" cy="1868018"/>
-          </a:xfrm>
-        </p:spPr>
-        <p:txBody>
-          <a:bodyPr>
-            <a:normAutofit/>
-          </a:bodyPr>
-          <a:lstStyle/>
-          <a:p>
-            <a:r>
-              <a:rPr lang="en-US" sz="6700" dirty="0">
-                <a:latin typeface="Times New Roman" panose="02020603050405020304" pitchFamily="18" charset="0"/>
-                <a:cs typeface="Times New Roman" panose="02020603050405020304" pitchFamily="18" charset="0"/>
-              </a:rPr>
-              <a:t>Introduction</a:t>
-            </a:r>
-            <a:br>
-              <a:rPr lang="en-US" dirty="0"/>
-            </a:br>
-            <a:endParaRPr lang="en-US" dirty="0"/>
-          </a:p>
-        </p:txBody>
-      </p:sp>
-      <p:sp>
-        <p:nvSpPr>
-          <p:cNvPr id="3" name="Content Placeholder 2">
-            <a:extLst>
-              <a:ext uri="{FF2B5EF4-FFF2-40B4-BE49-F238E27FC236}">
-                <a16:creationId xmlns:a16="http://schemas.microsoft.com/office/drawing/2014/main" id="{6D3386AE-442B-413A-8660-C1E34974B9B5}"/>
-              </a:ext>
-            </a:extLst>
-          </p:cNvPr>
-          <p:cNvSpPr>
-            <a:spLocks noGrp="1"/>
-          </p:cNvSpPr>
-          <p:nvPr>
-            <p:ph idx="1"/>
-          </p:nvPr>
-        </p:nvSpPr>
-        <p:spPr/>
-        <p:txBody>
-          <a:bodyPr>
-            <a:normAutofit fontScale="62500" lnSpcReduction="20000"/>
-          </a:bodyPr>
-          <a:lstStyle/>
-          <a:p>
-            <a:endParaRPr lang="en-GB" dirty="0"/>
-          </a:p>
-          <a:p>
-            <a:r>
-              <a:rPr lang="en-GB" sz="3800" dirty="0">
-                <a:latin typeface="Times New Roman" panose="02020603050405020304" pitchFamily="18" charset="0"/>
-                <a:cs typeface="Times New Roman" panose="02020603050405020304" pitchFamily="18" charset="0"/>
-              </a:rPr>
-              <a:t>In today’s competitive job market, academic qualifications alone are no longer sufficient to guarantee career success. Employers increasingly value practical experience, technical competence, soft skills, and the ability to network effectively. As a result, students are encouraged to combine strong academic performance with internships, projects, certifications, and personal skill development to improve their employability and long-term career outcomes.</a:t>
-            </a:r>
-          </a:p>
-          <a:p>
-            <a:r>
-              <a:rPr lang="en-GB" sz="3800" dirty="0">
-                <a:latin typeface="Times New Roman" panose="02020603050405020304" pitchFamily="18" charset="0"/>
-                <a:cs typeface="Times New Roman" panose="02020603050405020304" pitchFamily="18" charset="0"/>
-              </a:rPr>
-              <a:t>This project seeks to examine how students’ academic achievements, practical experience, and soft skills contribute to their early career success. By analysing real world data that includes educational background, skill levels, and employment outcomes, the study provides insight into the key factors that influence job opportunities, salary levels, career satisfaction, and professional growth.</a:t>
-            </a:r>
-            <a:endParaRPr lang="en-US" sz="3800" dirty="0">
-              <a:latin typeface="Times New Roman" panose="02020603050405020304" pitchFamily="18" charset="0"/>
-              <a:cs typeface="Times New Roman" panose="02020603050405020304" pitchFamily="18" charset="0"/>
-            </a:endParaRPr>
-          </a:p>
-        </p:txBody>
-      </p:sp>
-    </p:spTree>
-    <p:extLst>
-      <p:ext uri="{BB962C8B-B14F-4D97-AF65-F5344CB8AC3E}">
-        <p14:creationId xmlns:p14="http://schemas.microsoft.com/office/powerpoint/2010/main" val="3362879391"/>
-      </p:ext>
-    </p:extLst>
-  </p:cSld>
-  <p:clrMapOvr>
-    <a:masterClrMapping/>
-  </p:clrMapOvr>
-</p:sld>
-</file>
-
-<file path=ppt/slides/slide20.xml><?xml version="1.0" encoding="utf-8"?>
+<file path=ppt/slides/slide22.xml><?xml version="1.0" encoding="utf-8"?>
 <p:sld xmlns:a="http://schemas.openxmlformats.org/drawingml/2006/main" xmlns:r="http://schemas.openxmlformats.org/officeDocument/2006/relationships" xmlns:p="http://schemas.openxmlformats.org/presentationml/2006/main">
   <p:cSld>
     <p:spTree>
@@ -5188,281 +5346,6 @@
 </p:sld>
 </file>
 
-<file path=ppt/slides/slide21.xml><?xml version="1.0" encoding="utf-8"?>
-<p:sld xmlns:a="http://schemas.openxmlformats.org/drawingml/2006/main" xmlns:r="http://schemas.openxmlformats.org/officeDocument/2006/relationships" xmlns:p="http://schemas.openxmlformats.org/presentationml/2006/main">
-  <p:cSld>
-    <p:spTree>
-      <p:nvGrpSpPr>
-        <p:cNvPr id="1" name=""/>
-        <p:cNvGrpSpPr/>
-        <p:nvPr/>
-      </p:nvGrpSpPr>
-      <p:grpSpPr>
-        <a:xfrm>
-          <a:off x="0" y="0"/>
-          <a:ext cx="0" cy="0"/>
-          <a:chOff x="0" y="0"/>
-          <a:chExt cx="0" cy="0"/>
-        </a:xfrm>
-      </p:grpSpPr>
-      <p:sp>
-        <p:nvSpPr>
-          <p:cNvPr id="2" name="Title 1">
-            <a:extLst>
-              <a:ext uri="{FF2B5EF4-FFF2-40B4-BE49-F238E27FC236}">
-                <a16:creationId xmlns:a16="http://schemas.microsoft.com/office/drawing/2014/main" id="{A7BDAF6D-D1A5-454B-AB4D-33F977E61B30}"/>
-              </a:ext>
-            </a:extLst>
-          </p:cNvPr>
-          <p:cNvSpPr>
-            <a:spLocks noGrp="1"/>
-          </p:cNvSpPr>
-          <p:nvPr>
-            <p:ph type="title"/>
-          </p:nvPr>
-        </p:nvSpPr>
-        <p:spPr/>
-        <p:txBody>
-          <a:bodyPr/>
-          <a:lstStyle/>
-          <a:p>
-            <a:r>
-              <a:rPr lang="en-US" dirty="0">
-                <a:latin typeface="Times New Roman" panose="02020603050405020304" pitchFamily="18" charset="0"/>
-                <a:cs typeface="Times New Roman" panose="02020603050405020304" pitchFamily="18" charset="0"/>
-              </a:rPr>
-              <a:t>INSIGHT ON NETWORKING AND JOB LEVEL</a:t>
-            </a:r>
-          </a:p>
-        </p:txBody>
-      </p:sp>
-      <p:sp>
-        <p:nvSpPr>
-          <p:cNvPr id="3" name="Content Placeholder 2">
-            <a:extLst>
-              <a:ext uri="{FF2B5EF4-FFF2-40B4-BE49-F238E27FC236}">
-                <a16:creationId xmlns:a16="http://schemas.microsoft.com/office/drawing/2014/main" id="{1FDA394B-5326-4BD7-9905-82A7F74C0722}"/>
-              </a:ext>
-            </a:extLst>
-          </p:cNvPr>
-          <p:cNvSpPr>
-            <a:spLocks noGrp="1"/>
-          </p:cNvSpPr>
-          <p:nvPr>
-            <p:ph idx="1"/>
-          </p:nvPr>
-        </p:nvSpPr>
-        <p:spPr/>
-        <p:txBody>
-          <a:bodyPr>
-            <a:normAutofit lnSpcReduction="10000"/>
-          </a:bodyPr>
-          <a:lstStyle/>
-          <a:p>
-            <a:r>
-              <a:rPr lang="en-GB" sz="3200" dirty="0">
-                <a:latin typeface="Times New Roman" panose="02020603050405020304" pitchFamily="18" charset="0"/>
-                <a:cs typeface="Times New Roman" panose="02020603050405020304" pitchFamily="18" charset="0"/>
-              </a:rPr>
-              <a:t>The scatterplot analysis of networking score versus current job level indicates a very strong positive relationship. This suggests that individuals with higher networking scores tend to achieve higher ranking positions and advance further in their career hierarchy. The result highlights the significance of professional relationship building and networking in influencing career progression, although other factors such as technical expertise, total years of experience, and leadership abilities also contribute to an individual's current job level.</a:t>
-            </a:r>
-            <a:endParaRPr lang="en-US" sz="3200" dirty="0">
-              <a:latin typeface="Times New Roman" panose="02020603050405020304" pitchFamily="18" charset="0"/>
-              <a:cs typeface="Times New Roman" panose="02020603050405020304" pitchFamily="18" charset="0"/>
-            </a:endParaRPr>
-          </a:p>
-        </p:txBody>
-      </p:sp>
-    </p:spTree>
-    <p:extLst>
-      <p:ext uri="{BB962C8B-B14F-4D97-AF65-F5344CB8AC3E}">
-        <p14:creationId xmlns:p14="http://schemas.microsoft.com/office/powerpoint/2010/main" val="1175479364"/>
-      </p:ext>
-    </p:extLst>
-  </p:cSld>
-  <p:clrMapOvr>
-    <a:masterClrMapping/>
-  </p:clrMapOvr>
-</p:sld>
-</file>
-
-<file path=ppt/slides/slide22.xml><?xml version="1.0" encoding="utf-8"?>
-<p:sld xmlns:a="http://schemas.openxmlformats.org/drawingml/2006/main" xmlns:r="http://schemas.openxmlformats.org/officeDocument/2006/relationships" xmlns:p="http://schemas.openxmlformats.org/presentationml/2006/main">
-  <p:cSld>
-    <p:spTree>
-      <p:nvGrpSpPr>
-        <p:cNvPr id="1" name=""/>
-        <p:cNvGrpSpPr/>
-        <p:nvPr/>
-      </p:nvGrpSpPr>
-      <p:grpSpPr>
-        <a:xfrm>
-          <a:off x="0" y="0"/>
-          <a:ext cx="0" cy="0"/>
-          <a:chOff x="0" y="0"/>
-          <a:chExt cx="0" cy="0"/>
-        </a:xfrm>
-      </p:grpSpPr>
-      <p:sp>
-        <p:nvSpPr>
-          <p:cNvPr id="2" name="Title 1">
-            <a:extLst>
-              <a:ext uri="{FF2B5EF4-FFF2-40B4-BE49-F238E27FC236}">
-                <a16:creationId xmlns:a16="http://schemas.microsoft.com/office/drawing/2014/main" id="{7BE94D8E-25B4-4EF5-99D0-A1CD15311E7C}"/>
-              </a:ext>
-            </a:extLst>
-          </p:cNvPr>
-          <p:cNvSpPr>
-            <a:spLocks noGrp="1"/>
-          </p:cNvSpPr>
-          <p:nvPr>
-            <p:ph type="title"/>
-          </p:nvPr>
-        </p:nvSpPr>
-        <p:spPr>
-          <a:xfrm>
-            <a:off x="1181362" y="854162"/>
-            <a:ext cx="10058400" cy="1450757"/>
-          </a:xfrm>
-        </p:spPr>
-        <p:txBody>
-          <a:bodyPr>
-            <a:normAutofit fontScale="90000"/>
-          </a:bodyPr>
-          <a:lstStyle/>
-          <a:p>
-            <a:r>
-              <a:rPr lang="en-GB" dirty="0">
-                <a:latin typeface="Times New Roman" panose="02020603050405020304" pitchFamily="18" charset="0"/>
-                <a:cs typeface="Times New Roman" panose="02020603050405020304" pitchFamily="18" charset="0"/>
-              </a:rPr>
-              <a:t>KEY INSIGHTS FROM THE ANALYSIS</a:t>
-            </a:r>
-            <a:br>
-              <a:rPr lang="en-GB" dirty="0"/>
-            </a:br>
-            <a:endParaRPr lang="en-US" dirty="0"/>
-          </a:p>
-        </p:txBody>
-      </p:sp>
-      <p:sp>
-        <p:nvSpPr>
-          <p:cNvPr id="3" name="Content Placeholder 2">
-            <a:extLst>
-              <a:ext uri="{FF2B5EF4-FFF2-40B4-BE49-F238E27FC236}">
-                <a16:creationId xmlns:a16="http://schemas.microsoft.com/office/drawing/2014/main" id="{75A907EF-BB21-4D4F-956D-42449E082DE7}"/>
-              </a:ext>
-            </a:extLst>
-          </p:cNvPr>
-          <p:cNvSpPr>
-            <a:spLocks noGrp="1"/>
-          </p:cNvSpPr>
-          <p:nvPr>
-            <p:ph idx="1"/>
-          </p:nvPr>
-        </p:nvSpPr>
-        <p:spPr>
-          <a:xfrm>
-            <a:off x="1181362" y="1793182"/>
-            <a:ext cx="10058400" cy="4439452"/>
-          </a:xfrm>
-        </p:spPr>
-        <p:txBody>
-          <a:bodyPr>
-            <a:normAutofit fontScale="77500" lnSpcReduction="20000"/>
-          </a:bodyPr>
-          <a:lstStyle/>
-          <a:p>
-            <a:pPr marL="342900" indent="-342900">
-              <a:buFont typeface="+mj-lt"/>
-              <a:buAutoNum type="arabicPeriod"/>
-            </a:pPr>
-            <a:endParaRPr lang="en-GB" sz="1800" dirty="0"/>
-          </a:p>
-          <a:p>
-            <a:pPr marL="457200" indent="-457200">
-              <a:buFont typeface="+mj-lt"/>
-              <a:buAutoNum type="arabicPeriod"/>
-            </a:pPr>
-            <a:r>
-              <a:rPr lang="en-GB" sz="2400" dirty="0">
-                <a:latin typeface="Times New Roman" panose="02020603050405020304" pitchFamily="18" charset="0"/>
-                <a:cs typeface="Times New Roman" panose="02020603050405020304" pitchFamily="18" charset="0"/>
-              </a:rPr>
-              <a:t>University GPA Strongly Influences Starting Salary: The analysis revealed a very strong positive correlation between University GPA and Starting Salary. Students with higher academic performance tend to secure better-paying jobs, indicating that employers still place significant value on academic excellence when making hiring and salary decisions.</a:t>
-            </a:r>
-          </a:p>
-          <a:p>
-            <a:pPr marL="457200" indent="-457200">
-              <a:buFont typeface="+mj-lt"/>
-              <a:buAutoNum type="arabicPeriod"/>
-            </a:pPr>
-            <a:r>
-              <a:rPr lang="en-GB" sz="2400" dirty="0">
-                <a:latin typeface="Times New Roman" panose="02020603050405020304" pitchFamily="18" charset="0"/>
-                <a:cs typeface="Times New Roman" panose="02020603050405020304" pitchFamily="18" charset="0"/>
-              </a:rPr>
-              <a:t>Internships Significantly Improve Employability: Students who completed more internships received more job offers and experienced faster career entry. This shows that hands-on experience plays a crucial role in making graduates job-ready and competitive in the labour market.</a:t>
-            </a:r>
-          </a:p>
-          <a:p>
-            <a:pPr marL="457200" indent="-457200">
-              <a:buFont typeface="+mj-lt"/>
-              <a:buAutoNum type="arabicPeriod"/>
-            </a:pPr>
-            <a:r>
-              <a:rPr lang="en-GB" sz="2400" dirty="0">
-                <a:latin typeface="Times New Roman" panose="02020603050405020304" pitchFamily="18" charset="0"/>
-                <a:cs typeface="Times New Roman" panose="02020603050405020304" pitchFamily="18" charset="0"/>
-              </a:rPr>
-              <a:t>Projects and Certifications Support Faster Career Growth: Students with more projects and professional certifications were promoted faster and earned higher salaries. This highlights the importance of practical and industry-relevant skills beyond classroom learning.</a:t>
-            </a:r>
-          </a:p>
-          <a:p>
-            <a:pPr marL="457200" indent="-457200">
-              <a:buFont typeface="+mj-lt"/>
-              <a:buAutoNum type="arabicPeriod"/>
-            </a:pPr>
-            <a:r>
-              <a:rPr lang="en-GB" sz="2400" dirty="0">
-                <a:latin typeface="Times New Roman" panose="02020603050405020304" pitchFamily="18" charset="0"/>
-                <a:cs typeface="Times New Roman" panose="02020603050405020304" pitchFamily="18" charset="0"/>
-              </a:rPr>
-              <a:t>Soft Skills Strongly Influence Career Satisfaction: A strong positive relationship was observed between soft skills and career satisfaction. Individuals with better communication, teamwork, and interpersonal skills reported higher job satisfaction and better workplace experiences.</a:t>
-            </a:r>
-          </a:p>
-          <a:p>
-            <a:pPr marL="457200" indent="-457200">
-              <a:buFont typeface="+mj-lt"/>
-              <a:buAutoNum type="arabicPeriod"/>
-            </a:pPr>
-            <a:r>
-              <a:rPr lang="en-GB" sz="2400" dirty="0">
-                <a:latin typeface="Times New Roman" panose="02020603050405020304" pitchFamily="18" charset="0"/>
-                <a:cs typeface="Times New Roman" panose="02020603050405020304" pitchFamily="18" charset="0"/>
-              </a:rPr>
-              <a:t>Networking Plays a Key Role in Career Advancement: Networking score showed a strong relationship with current job level, indicating that individuals who build professional connections progress faster in their careers compared to those who rely only on academic credentials.</a:t>
-            </a:r>
-            <a:endParaRPr lang="en-US" sz="2400" dirty="0">
-              <a:latin typeface="Times New Roman" panose="02020603050405020304" pitchFamily="18" charset="0"/>
-              <a:cs typeface="Times New Roman" panose="02020603050405020304" pitchFamily="18" charset="0"/>
-            </a:endParaRPr>
-          </a:p>
-        </p:txBody>
-      </p:sp>
-    </p:spTree>
-    <p:extLst>
-      <p:ext uri="{BB962C8B-B14F-4D97-AF65-F5344CB8AC3E}">
-        <p14:creationId xmlns:p14="http://schemas.microsoft.com/office/powerpoint/2010/main" val="3446732612"/>
-      </p:ext>
-    </p:extLst>
-  </p:cSld>
-  <p:clrMapOvr>
-    <a:masterClrMapping/>
-  </p:clrMapOvr>
-</p:sld>
-</file>
-
 <file path=ppt/slides/slide23.xml><?xml version="1.0" encoding="utf-8"?>
 <p:sld xmlns:a="http://schemas.openxmlformats.org/drawingml/2006/main" xmlns:r="http://schemas.openxmlformats.org/officeDocument/2006/relationships" xmlns:p="http://schemas.openxmlformats.org/presentationml/2006/main">
   <p:cSld>
@@ -5485,6 +5368,281 @@
           <p:cNvPr id="2" name="Title 1">
             <a:extLst>
               <a:ext uri="{FF2B5EF4-FFF2-40B4-BE49-F238E27FC236}">
+                <a16:creationId xmlns:a16="http://schemas.microsoft.com/office/drawing/2014/main" id="{A7BDAF6D-D1A5-454B-AB4D-33F977E61B30}"/>
+              </a:ext>
+            </a:extLst>
+          </p:cNvPr>
+          <p:cNvSpPr>
+            <a:spLocks noGrp="1"/>
+          </p:cNvSpPr>
+          <p:nvPr>
+            <p:ph type="title"/>
+          </p:nvPr>
+        </p:nvSpPr>
+        <p:spPr/>
+        <p:txBody>
+          <a:bodyPr/>
+          <a:lstStyle/>
+          <a:p>
+            <a:r>
+              <a:rPr lang="en-US" dirty="0">
+                <a:latin typeface="Times New Roman" panose="02020603050405020304" pitchFamily="18" charset="0"/>
+                <a:cs typeface="Times New Roman" panose="02020603050405020304" pitchFamily="18" charset="0"/>
+              </a:rPr>
+              <a:t>INSIGHT ON NETWORKING AND JOB LEVEL</a:t>
+            </a:r>
+          </a:p>
+        </p:txBody>
+      </p:sp>
+      <p:sp>
+        <p:nvSpPr>
+          <p:cNvPr id="3" name="Content Placeholder 2">
+            <a:extLst>
+              <a:ext uri="{FF2B5EF4-FFF2-40B4-BE49-F238E27FC236}">
+                <a16:creationId xmlns:a16="http://schemas.microsoft.com/office/drawing/2014/main" id="{1FDA394B-5326-4BD7-9905-82A7F74C0722}"/>
+              </a:ext>
+            </a:extLst>
+          </p:cNvPr>
+          <p:cNvSpPr>
+            <a:spLocks noGrp="1"/>
+          </p:cNvSpPr>
+          <p:nvPr>
+            <p:ph idx="1"/>
+          </p:nvPr>
+        </p:nvSpPr>
+        <p:spPr/>
+        <p:txBody>
+          <a:bodyPr>
+            <a:normAutofit lnSpcReduction="10000"/>
+          </a:bodyPr>
+          <a:lstStyle/>
+          <a:p>
+            <a:r>
+              <a:rPr lang="en-GB" sz="3200" dirty="0">
+                <a:latin typeface="Times New Roman" panose="02020603050405020304" pitchFamily="18" charset="0"/>
+                <a:cs typeface="Times New Roman" panose="02020603050405020304" pitchFamily="18" charset="0"/>
+              </a:rPr>
+              <a:t>The scatterplot analysis of networking score versus current job level indicates a very strong positive relationship. This suggests that individuals with higher networking scores tend to achieve higher ranking positions and advance further in their career hierarchy. The result highlights the significance of professional relationship building and networking in influencing career progression, although other factors such as technical expertise, total years of experience, and leadership abilities also contribute to an individual's current job level.</a:t>
+            </a:r>
+            <a:endParaRPr lang="en-US" sz="3200" dirty="0">
+              <a:latin typeface="Times New Roman" panose="02020603050405020304" pitchFamily="18" charset="0"/>
+              <a:cs typeface="Times New Roman" panose="02020603050405020304" pitchFamily="18" charset="0"/>
+            </a:endParaRPr>
+          </a:p>
+        </p:txBody>
+      </p:sp>
+    </p:spTree>
+    <p:extLst>
+      <p:ext uri="{BB962C8B-B14F-4D97-AF65-F5344CB8AC3E}">
+        <p14:creationId xmlns:p14="http://schemas.microsoft.com/office/powerpoint/2010/main" val="1175479364"/>
+      </p:ext>
+    </p:extLst>
+  </p:cSld>
+  <p:clrMapOvr>
+    <a:masterClrMapping/>
+  </p:clrMapOvr>
+</p:sld>
+</file>
+
+<file path=ppt/slides/slide24.xml><?xml version="1.0" encoding="utf-8"?>
+<p:sld xmlns:a="http://schemas.openxmlformats.org/drawingml/2006/main" xmlns:r="http://schemas.openxmlformats.org/officeDocument/2006/relationships" xmlns:p="http://schemas.openxmlformats.org/presentationml/2006/main">
+  <p:cSld>
+    <p:spTree>
+      <p:nvGrpSpPr>
+        <p:cNvPr id="1" name=""/>
+        <p:cNvGrpSpPr/>
+        <p:nvPr/>
+      </p:nvGrpSpPr>
+      <p:grpSpPr>
+        <a:xfrm>
+          <a:off x="0" y="0"/>
+          <a:ext cx="0" cy="0"/>
+          <a:chOff x="0" y="0"/>
+          <a:chExt cx="0" cy="0"/>
+        </a:xfrm>
+      </p:grpSpPr>
+      <p:sp>
+        <p:nvSpPr>
+          <p:cNvPr id="2" name="Title 1">
+            <a:extLst>
+              <a:ext uri="{FF2B5EF4-FFF2-40B4-BE49-F238E27FC236}">
+                <a16:creationId xmlns:a16="http://schemas.microsoft.com/office/drawing/2014/main" id="{7BE94D8E-25B4-4EF5-99D0-A1CD15311E7C}"/>
+              </a:ext>
+            </a:extLst>
+          </p:cNvPr>
+          <p:cNvSpPr>
+            <a:spLocks noGrp="1"/>
+          </p:cNvSpPr>
+          <p:nvPr>
+            <p:ph type="title"/>
+          </p:nvPr>
+        </p:nvSpPr>
+        <p:spPr>
+          <a:xfrm>
+            <a:off x="1181362" y="854162"/>
+            <a:ext cx="10058400" cy="1450757"/>
+          </a:xfrm>
+        </p:spPr>
+        <p:txBody>
+          <a:bodyPr>
+            <a:normAutofit fontScale="90000"/>
+          </a:bodyPr>
+          <a:lstStyle/>
+          <a:p>
+            <a:r>
+              <a:rPr lang="en-GB" dirty="0">
+                <a:latin typeface="Times New Roman" panose="02020603050405020304" pitchFamily="18" charset="0"/>
+                <a:cs typeface="Times New Roman" panose="02020603050405020304" pitchFamily="18" charset="0"/>
+              </a:rPr>
+              <a:t>KEY INSIGHTS FROM THE ANALYSIS</a:t>
+            </a:r>
+            <a:br>
+              <a:rPr lang="en-GB" dirty="0"/>
+            </a:br>
+            <a:endParaRPr lang="en-US" dirty="0"/>
+          </a:p>
+        </p:txBody>
+      </p:sp>
+      <p:sp>
+        <p:nvSpPr>
+          <p:cNvPr id="3" name="Content Placeholder 2">
+            <a:extLst>
+              <a:ext uri="{FF2B5EF4-FFF2-40B4-BE49-F238E27FC236}">
+                <a16:creationId xmlns:a16="http://schemas.microsoft.com/office/drawing/2014/main" id="{75A907EF-BB21-4D4F-956D-42449E082DE7}"/>
+              </a:ext>
+            </a:extLst>
+          </p:cNvPr>
+          <p:cNvSpPr>
+            <a:spLocks noGrp="1"/>
+          </p:cNvSpPr>
+          <p:nvPr>
+            <p:ph idx="1"/>
+          </p:nvPr>
+        </p:nvSpPr>
+        <p:spPr>
+          <a:xfrm>
+            <a:off x="1181362" y="1793182"/>
+            <a:ext cx="10058400" cy="4439452"/>
+          </a:xfrm>
+        </p:spPr>
+        <p:txBody>
+          <a:bodyPr>
+            <a:normAutofit fontScale="77500" lnSpcReduction="20000"/>
+          </a:bodyPr>
+          <a:lstStyle/>
+          <a:p>
+            <a:pPr marL="342900" indent="-342900">
+              <a:buFont typeface="+mj-lt"/>
+              <a:buAutoNum type="arabicPeriod"/>
+            </a:pPr>
+            <a:endParaRPr lang="en-GB" sz="1800" dirty="0"/>
+          </a:p>
+          <a:p>
+            <a:pPr marL="457200" indent="-457200">
+              <a:buFont typeface="+mj-lt"/>
+              <a:buAutoNum type="arabicPeriod"/>
+            </a:pPr>
+            <a:r>
+              <a:rPr lang="en-GB" sz="2400" dirty="0">
+                <a:latin typeface="Times New Roman" panose="02020603050405020304" pitchFamily="18" charset="0"/>
+                <a:cs typeface="Times New Roman" panose="02020603050405020304" pitchFamily="18" charset="0"/>
+              </a:rPr>
+              <a:t>University GPA Strongly Influences Starting Salary: The analysis revealed a very strong positive correlation between University GPA and Starting Salary. Students with higher academic performance tend to secure better-paying jobs, indicating that employers still place significant value on academic excellence when making hiring and salary decisions.</a:t>
+            </a:r>
+          </a:p>
+          <a:p>
+            <a:pPr marL="457200" indent="-457200">
+              <a:buFont typeface="+mj-lt"/>
+              <a:buAutoNum type="arabicPeriod"/>
+            </a:pPr>
+            <a:r>
+              <a:rPr lang="en-GB" sz="2400" dirty="0">
+                <a:latin typeface="Times New Roman" panose="02020603050405020304" pitchFamily="18" charset="0"/>
+                <a:cs typeface="Times New Roman" panose="02020603050405020304" pitchFamily="18" charset="0"/>
+              </a:rPr>
+              <a:t>Internships Significantly Improve Employability: Students who completed more internships received more job offers and experienced faster career entry. This shows that hands-on experience plays a crucial role in making graduates job-ready and competitive in the labour market.</a:t>
+            </a:r>
+          </a:p>
+          <a:p>
+            <a:pPr marL="457200" indent="-457200">
+              <a:buFont typeface="+mj-lt"/>
+              <a:buAutoNum type="arabicPeriod"/>
+            </a:pPr>
+            <a:r>
+              <a:rPr lang="en-GB" sz="2400" dirty="0">
+                <a:latin typeface="Times New Roman" panose="02020603050405020304" pitchFamily="18" charset="0"/>
+                <a:cs typeface="Times New Roman" panose="02020603050405020304" pitchFamily="18" charset="0"/>
+              </a:rPr>
+              <a:t>Projects and Certifications Support Faster Career Growth: Students with more projects and professional certifications were promoted faster and earned higher salaries. This highlights the importance of practical and industry-relevant skills beyond classroom learning.</a:t>
+            </a:r>
+          </a:p>
+          <a:p>
+            <a:pPr marL="457200" indent="-457200">
+              <a:buFont typeface="+mj-lt"/>
+              <a:buAutoNum type="arabicPeriod"/>
+            </a:pPr>
+            <a:r>
+              <a:rPr lang="en-GB" sz="2400" dirty="0">
+                <a:latin typeface="Times New Roman" panose="02020603050405020304" pitchFamily="18" charset="0"/>
+                <a:cs typeface="Times New Roman" panose="02020603050405020304" pitchFamily="18" charset="0"/>
+              </a:rPr>
+              <a:t>Soft Skills Strongly Influence Career Satisfaction: A strong positive relationship was observed between soft skills and career satisfaction. Individuals with better communication, teamwork, and interpersonal skills reported higher job satisfaction and better workplace experiences.</a:t>
+            </a:r>
+          </a:p>
+          <a:p>
+            <a:pPr marL="457200" indent="-457200">
+              <a:buFont typeface="+mj-lt"/>
+              <a:buAutoNum type="arabicPeriod"/>
+            </a:pPr>
+            <a:r>
+              <a:rPr lang="en-GB" sz="2400" dirty="0">
+                <a:latin typeface="Times New Roman" panose="02020603050405020304" pitchFamily="18" charset="0"/>
+                <a:cs typeface="Times New Roman" panose="02020603050405020304" pitchFamily="18" charset="0"/>
+              </a:rPr>
+              <a:t>Networking Plays a Key Role in Career Advancement: Networking score showed a strong relationship with current job level, indicating that individuals who build professional connections progress faster in their careers compared to those who rely only on academic credentials.</a:t>
+            </a:r>
+            <a:endParaRPr lang="en-US" sz="2400" dirty="0">
+              <a:latin typeface="Times New Roman" panose="02020603050405020304" pitchFamily="18" charset="0"/>
+              <a:cs typeface="Times New Roman" panose="02020603050405020304" pitchFamily="18" charset="0"/>
+            </a:endParaRPr>
+          </a:p>
+        </p:txBody>
+      </p:sp>
+    </p:spTree>
+    <p:extLst>
+      <p:ext uri="{BB962C8B-B14F-4D97-AF65-F5344CB8AC3E}">
+        <p14:creationId xmlns:p14="http://schemas.microsoft.com/office/powerpoint/2010/main" val="3446732612"/>
+      </p:ext>
+    </p:extLst>
+  </p:cSld>
+  <p:clrMapOvr>
+    <a:masterClrMapping/>
+  </p:clrMapOvr>
+</p:sld>
+</file>
+
+<file path=ppt/slides/slide25.xml><?xml version="1.0" encoding="utf-8"?>
+<p:sld xmlns:a="http://schemas.openxmlformats.org/drawingml/2006/main" xmlns:r="http://schemas.openxmlformats.org/officeDocument/2006/relationships" xmlns:p="http://schemas.openxmlformats.org/presentationml/2006/main">
+  <p:cSld>
+    <p:spTree>
+      <p:nvGrpSpPr>
+        <p:cNvPr id="1" name=""/>
+        <p:cNvGrpSpPr/>
+        <p:nvPr/>
+      </p:nvGrpSpPr>
+      <p:grpSpPr>
+        <a:xfrm>
+          <a:off x="0" y="0"/>
+          <a:ext cx="0" cy="0"/>
+          <a:chOff x="0" y="0"/>
+          <a:chExt cx="0" cy="0"/>
+        </a:xfrm>
+      </p:grpSpPr>
+      <p:sp>
+        <p:nvSpPr>
+          <p:cNvPr id="2" name="Title 1">
+            <a:extLst>
+              <a:ext uri="{FF2B5EF4-FFF2-40B4-BE49-F238E27FC236}">
                 <a16:creationId xmlns:a16="http://schemas.microsoft.com/office/drawing/2014/main" id="{BC669C10-11B6-490B-8A88-E9E1E3A63772}"/>
               </a:ext>
             </a:extLst>
@@ -5641,7 +5799,7 @@
 </p:sld>
 </file>
 
-<file path=ppt/slides/slide24.xml><?xml version="1.0" encoding="utf-8"?>
+<file path=ppt/slides/slide26.xml><?xml version="1.0" encoding="utf-8"?>
 <p:sld xmlns:a="http://schemas.openxmlformats.org/drawingml/2006/main" xmlns:r="http://schemas.openxmlformats.org/officeDocument/2006/relationships" xmlns:p="http://schemas.openxmlformats.org/presentationml/2006/main">
   <p:cSld>
     <p:spTree>
@@ -5793,7 +5951,7 @@
                 <a:latin typeface="Times New Roman" panose="02020603050405020304" pitchFamily="18" charset="0"/>
                 <a:cs typeface="Times New Roman" panose="02020603050405020304" pitchFamily="18" charset="0"/>
               </a:rPr>
-              <a:t>Problem Statement</a:t>
+              <a:t>PROBLEM STATEMENT</a:t>
             </a:r>
             <a:br>
               <a:rPr lang="en-US" dirty="0"/>
@@ -5922,18 +6080,8 @@
                 <a:latin typeface="Times New Roman" panose="02020603050405020304" pitchFamily="18" charset="0"/>
                 <a:cs typeface="Times New Roman" panose="02020603050405020304" pitchFamily="18" charset="0"/>
               </a:rPr>
-              <a:t>Objectives of the Study</a:t>
-            </a:r>
-            <a:br>
-              <a:rPr lang="en-GB" b="0" i="0" dirty="0">
-                <a:solidFill>
-                  <a:srgbClr val="1F1F1F"/>
-                </a:solidFill>
-                <a:effectLst/>
-                <a:latin typeface="Times New Roman" panose="02020603050405020304" pitchFamily="18" charset="0"/>
-                <a:cs typeface="Times New Roman" panose="02020603050405020304" pitchFamily="18" charset="0"/>
-              </a:rPr>
-            </a:br>
+              <a:t>OBJECTIVES OF THE STUDY</a:t>
+            </a:r>
             <a:endParaRPr lang="en-US" dirty="0">
               <a:latin typeface="Times New Roman" panose="02020603050405020304" pitchFamily="18" charset="0"/>
               <a:cs typeface="Times New Roman" panose="02020603050405020304" pitchFamily="18" charset="0"/>
@@ -6124,7 +6272,7 @@
           <p:cNvPr id="2" name="Title 1">
             <a:extLst>
               <a:ext uri="{FF2B5EF4-FFF2-40B4-BE49-F238E27FC236}">
-                <a16:creationId xmlns:a16="http://schemas.microsoft.com/office/drawing/2014/main" id="{44846C00-626D-459F-84C2-162DAC03D4CC}"/>
+                <a16:creationId xmlns:a16="http://schemas.microsoft.com/office/drawing/2014/main" id="{8ABE563A-D974-4A20-8BE2-42C0608E4799}"/>
               </a:ext>
             </a:extLst>
           </p:cNvPr>
@@ -6137,97 +6285,134 @@
         </p:nvSpPr>
         <p:spPr/>
         <p:txBody>
-          <a:bodyPr>
-            <a:normAutofit/>
-          </a:bodyPr>
-          <a:lstStyle/>
-          <a:p>
-            <a:r>
-              <a:rPr lang="en-US" sz="6600" dirty="0">
-                <a:latin typeface="Times New Roman" panose="02020603050405020304" pitchFamily="18" charset="0"/>
-                <a:cs typeface="Times New Roman" panose="02020603050405020304" pitchFamily="18" charset="0"/>
-              </a:rPr>
-              <a:t>GENDER DISTRIBUTION</a:t>
-            </a:r>
-          </a:p>
-        </p:txBody>
-      </p:sp>
-      <p:pic>
-        <p:nvPicPr>
-          <p:cNvPr id="4" name="Content Placeholder 3">
+          <a:bodyPr/>
+          <a:lstStyle/>
+          <a:p>
+            <a:r>
+              <a:rPr lang="en-GB" b="1" dirty="0">
+                <a:latin typeface="Times New Roman" panose="02020603050405020304" pitchFamily="18" charset="0"/>
+                <a:cs typeface="Times New Roman" panose="02020603050405020304" pitchFamily="18" charset="0"/>
+              </a:rPr>
+              <a:t>DATASET OVERVIEW</a:t>
+            </a:r>
+            <a:endParaRPr lang="en-US" dirty="0">
+              <a:latin typeface="Times New Roman" panose="02020603050405020304" pitchFamily="18" charset="0"/>
+              <a:cs typeface="Times New Roman" panose="02020603050405020304" pitchFamily="18" charset="0"/>
+            </a:endParaRPr>
+          </a:p>
+        </p:txBody>
+      </p:sp>
+      <p:sp>
+        <p:nvSpPr>
+          <p:cNvPr id="3" name="Content Placeholder 2">
             <a:extLst>
               <a:ext uri="{FF2B5EF4-FFF2-40B4-BE49-F238E27FC236}">
-                <a16:creationId xmlns:a16="http://schemas.microsoft.com/office/drawing/2014/main" id="{CAADE04F-1A76-4C1B-9E3A-DC18DA64AF15}"/>
+                <a16:creationId xmlns:a16="http://schemas.microsoft.com/office/drawing/2014/main" id="{00BD4F2C-B43F-4CED-A1A3-BDBEAECF4683}"/>
               </a:ext>
             </a:extLst>
           </p:cNvPr>
-          <p:cNvPicPr>
-            <a:picLocks noGrp="1" noChangeAspect="1"/>
-          </p:cNvPicPr>
+          <p:cNvSpPr>
+            <a:spLocks noGrp="1"/>
+          </p:cNvSpPr>
           <p:nvPr>
             <p:ph idx="1"/>
           </p:nvPr>
-        </p:nvPicPr>
-        <p:blipFill>
-          <a:blip r:embed="rId2"/>
-          <a:stretch>
-            <a:fillRect/>
-          </a:stretch>
-        </p:blipFill>
+        </p:nvSpPr>
         <p:spPr>
           <a:xfrm>
-            <a:off x="1973178" y="1846263"/>
-            <a:ext cx="8305969" cy="4022725"/>
+            <a:off x="1097280" y="1845734"/>
+            <a:ext cx="10058400" cy="4208226"/>
           </a:xfrm>
-          <a:prstGeom prst="rect">
-            <a:avLst/>
-          </a:prstGeom>
         </p:spPr>
-      </p:pic>
-      <p:sp>
-        <p:nvSpPr>
-          <p:cNvPr id="5" name="TextBox 4">
-            <a:extLst>
-              <a:ext uri="{FF2B5EF4-FFF2-40B4-BE49-F238E27FC236}">
-                <a16:creationId xmlns:a16="http://schemas.microsoft.com/office/drawing/2014/main" id="{1EFA5DA1-F468-4E54-BC67-25FE8AEE6676}"/>
-              </a:ext>
-            </a:extLst>
-          </p:cNvPr>
-          <p:cNvSpPr txBox="1"/>
-          <p:nvPr/>
-        </p:nvSpPr>
-        <p:spPr>
-          <a:xfrm>
-            <a:off x="515006" y="5868988"/>
-            <a:ext cx="3258207" cy="369332"/>
-          </a:xfrm>
-          <a:prstGeom prst="rect">
-            <a:avLst/>
-          </a:prstGeom>
-          <a:solidFill>
-            <a:schemeClr val="accent2"/>
-          </a:solidFill>
-        </p:spPr>
-        <p:txBody>
-          <a:bodyPr wrap="square" rtlCol="0">
-            <a:spAutoFit/>
+        <p:txBody>
+          <a:bodyPr>
+            <a:normAutofit fontScale="92500" lnSpcReduction="10000"/>
           </a:bodyPr>
           <a:lstStyle/>
           <a:p>
             <a:r>
-              <a:rPr lang="en-US" dirty="0">
-                <a:latin typeface="Times New Roman" panose="02020603050405020304" pitchFamily="18" charset="0"/>
-                <a:cs typeface="Times New Roman" panose="02020603050405020304" pitchFamily="18" charset="0"/>
-              </a:rPr>
-              <a:t>Equal gender distribution. </a:t>
-            </a:r>
+              <a:rPr lang="en-GB" sz="2800" b="1" dirty="0">
+                <a:latin typeface="Times New Roman" panose="02020603050405020304" pitchFamily="18" charset="0"/>
+                <a:cs typeface="Times New Roman" panose="02020603050405020304" pitchFamily="18" charset="0"/>
+              </a:rPr>
+              <a:t>Dataset Includes:</a:t>
+            </a:r>
+          </a:p>
+          <a:p>
+            <a:r>
+              <a:rPr lang="en-GB" sz="2800" b="1" dirty="0">
+                <a:latin typeface="Times New Roman" panose="02020603050405020304" pitchFamily="18" charset="0"/>
+                <a:cs typeface="Times New Roman" panose="02020603050405020304" pitchFamily="18" charset="0"/>
+              </a:rPr>
+              <a:t>Academic Information</a:t>
+            </a:r>
+          </a:p>
+          <a:p>
+            <a:pPr>
+              <a:buFont typeface="Arial" panose="020B0604020202020204" pitchFamily="34" charset="0"/>
+              <a:buChar char="•"/>
+            </a:pPr>
+            <a:r>
+              <a:rPr lang="en-GB" sz="2800" dirty="0">
+                <a:latin typeface="Times New Roman" panose="02020603050405020304" pitchFamily="18" charset="0"/>
+                <a:cs typeface="Times New Roman" panose="02020603050405020304" pitchFamily="18" charset="0"/>
+              </a:rPr>
+              <a:t>High School GPA, University GPA, SAT Score and Field of Study</a:t>
+            </a:r>
+          </a:p>
+          <a:p>
+            <a:r>
+              <a:rPr lang="en-GB" sz="2800" b="1" dirty="0">
+                <a:latin typeface="Times New Roman" panose="02020603050405020304" pitchFamily="18" charset="0"/>
+                <a:cs typeface="Times New Roman" panose="02020603050405020304" pitchFamily="18" charset="0"/>
+              </a:rPr>
+              <a:t>Experience &amp; Skills</a:t>
+            </a:r>
+          </a:p>
+          <a:p>
+            <a:pPr>
+              <a:buFont typeface="Arial" panose="020B0604020202020204" pitchFamily="34" charset="0"/>
+              <a:buChar char="•"/>
+            </a:pPr>
+            <a:r>
+              <a:rPr lang="en-GB" sz="2800" dirty="0">
+                <a:latin typeface="Times New Roman" panose="02020603050405020304" pitchFamily="18" charset="0"/>
+                <a:cs typeface="Times New Roman" panose="02020603050405020304" pitchFamily="18" charset="0"/>
+              </a:rPr>
+              <a:t>Internships Completed, Projects Completed, Certifications, Soft Skills Score and Networking Score</a:t>
+            </a:r>
+          </a:p>
+          <a:p>
+            <a:r>
+              <a:rPr lang="en-GB" sz="2800" b="1" dirty="0">
+                <a:latin typeface="Times New Roman" panose="02020603050405020304" pitchFamily="18" charset="0"/>
+                <a:cs typeface="Times New Roman" panose="02020603050405020304" pitchFamily="18" charset="0"/>
+              </a:rPr>
+              <a:t>Career Outcomes</a:t>
+            </a:r>
+          </a:p>
+          <a:p>
+            <a:pPr>
+              <a:buFont typeface="Arial" panose="020B0604020202020204" pitchFamily="34" charset="0"/>
+              <a:buChar char="•"/>
+            </a:pPr>
+            <a:r>
+              <a:rPr lang="en-GB" sz="2800" dirty="0">
+                <a:latin typeface="Times New Roman" panose="02020603050405020304" pitchFamily="18" charset="0"/>
+                <a:cs typeface="Times New Roman" panose="02020603050405020304" pitchFamily="18" charset="0"/>
+              </a:rPr>
+              <a:t>Job Offers, Starting Salary, Career Satisfaction, Years to Promotion and Job Level</a:t>
+            </a:r>
+          </a:p>
+          <a:p>
+            <a:endParaRPr lang="en-US" dirty="0"/>
           </a:p>
         </p:txBody>
       </p:sp>
     </p:spTree>
     <p:extLst>
       <p:ext uri="{BB962C8B-B14F-4D97-AF65-F5344CB8AC3E}">
-        <p14:creationId xmlns:p14="http://schemas.microsoft.com/office/powerpoint/2010/main" val="674894984"/>
+        <p14:creationId xmlns:p14="http://schemas.microsoft.com/office/powerpoint/2010/main" val="3898603483"/>
       </p:ext>
     </p:extLst>
   </p:cSld>
@@ -6259,7 +6444,7 @@
           <p:cNvPr id="2" name="Title 1">
             <a:extLst>
               <a:ext uri="{FF2B5EF4-FFF2-40B4-BE49-F238E27FC236}">
-                <a16:creationId xmlns:a16="http://schemas.microsoft.com/office/drawing/2014/main" id="{F2B86D6B-8A40-496E-A48A-D44FA6D8C3DE}"/>
+                <a16:creationId xmlns:a16="http://schemas.microsoft.com/office/drawing/2014/main" id="{AE6D5272-CD58-4ABC-A255-4EB3E552366C}"/>
               </a:ext>
             </a:extLst>
           </p:cNvPr>
@@ -6276,96 +6461,226 @@
           <a:lstStyle/>
           <a:p>
             <a:r>
-              <a:rPr lang="en-US" dirty="0">
-                <a:latin typeface="Times New Roman" panose="02020603050405020304" pitchFamily="18" charset="0"/>
-                <a:cs typeface="Times New Roman" panose="02020603050405020304" pitchFamily="18" charset="0"/>
-              </a:rPr>
-              <a:t>FIELD OF STUDY DISTRIBUTION</a:t>
-            </a:r>
-          </a:p>
-        </p:txBody>
-      </p:sp>
-      <p:pic>
-        <p:nvPicPr>
-          <p:cNvPr id="4" name="Content Placeholder 3">
+              <a:rPr lang="en-GB" b="1" dirty="0">
+                <a:latin typeface="Times New Roman" panose="02020603050405020304" pitchFamily="18" charset="0"/>
+                <a:cs typeface="Times New Roman" panose="02020603050405020304" pitchFamily="18" charset="0"/>
+              </a:rPr>
+              <a:t>DATA CLEANING PROCESS</a:t>
+            </a:r>
+            <a:endParaRPr lang="en-US" dirty="0">
+              <a:latin typeface="Times New Roman" panose="02020603050405020304" pitchFamily="18" charset="0"/>
+              <a:cs typeface="Times New Roman" panose="02020603050405020304" pitchFamily="18" charset="0"/>
+            </a:endParaRPr>
+          </a:p>
+        </p:txBody>
+      </p:sp>
+      <p:sp>
+        <p:nvSpPr>
+          <p:cNvPr id="3" name="Content Placeholder 2">
             <a:extLst>
               <a:ext uri="{FF2B5EF4-FFF2-40B4-BE49-F238E27FC236}">
-                <a16:creationId xmlns:a16="http://schemas.microsoft.com/office/drawing/2014/main" id="{E05B5887-4499-4D60-B0F6-1977CCD91A7F}"/>
+                <a16:creationId xmlns:a16="http://schemas.microsoft.com/office/drawing/2014/main" id="{6D8B5426-F89A-443A-B0EE-65E252EAC516}"/>
               </a:ext>
             </a:extLst>
           </p:cNvPr>
-          <p:cNvPicPr>
-            <a:picLocks noGrp="1" noChangeAspect="1"/>
-          </p:cNvPicPr>
+          <p:cNvSpPr>
+            <a:spLocks noGrp="1"/>
+          </p:cNvSpPr>
           <p:nvPr>
             <p:ph idx="1"/>
           </p:nvPr>
-        </p:nvPicPr>
-        <p:blipFill>
-          <a:blip r:embed="rId2"/>
-          <a:stretch>
-            <a:fillRect/>
-          </a:stretch>
-        </p:blipFill>
-        <p:spPr>
-          <a:xfrm>
-            <a:off x="1973178" y="1846263"/>
-            <a:ext cx="8305969" cy="4022725"/>
-          </a:xfrm>
-          <a:prstGeom prst="rect">
-            <a:avLst/>
-          </a:prstGeom>
-        </p:spPr>
-      </p:pic>
-      <p:sp>
-        <p:nvSpPr>
-          <p:cNvPr id="5" name="TextBox 4">
-            <a:extLst>
-              <a:ext uri="{FF2B5EF4-FFF2-40B4-BE49-F238E27FC236}">
-                <a16:creationId xmlns:a16="http://schemas.microsoft.com/office/drawing/2014/main" id="{D5B270E6-26B3-4360-874F-5777B7FF93AD}"/>
-              </a:ext>
-            </a:extLst>
-          </p:cNvPr>
-          <p:cNvSpPr txBox="1"/>
-          <p:nvPr/>
-        </p:nvSpPr>
-        <p:spPr>
-          <a:xfrm>
-            <a:off x="189186" y="5654725"/>
-            <a:ext cx="2848304" cy="646331"/>
-          </a:xfrm>
-          <a:prstGeom prst="rect">
-            <a:avLst/>
-          </a:prstGeom>
-          <a:solidFill>
-            <a:schemeClr val="accent2"/>
-          </a:solidFill>
-          <a:ln>
-            <a:solidFill>
-              <a:schemeClr val="accent1"/>
-            </a:solidFill>
-          </a:ln>
-        </p:spPr>
-        <p:txBody>
-          <a:bodyPr wrap="square" rtlCol="0">
-            <a:spAutoFit/>
+        </p:nvSpPr>
+        <p:spPr/>
+        <p:txBody>
+          <a:bodyPr>
+            <a:normAutofit fontScale="62500" lnSpcReduction="20000"/>
           </a:bodyPr>
           <a:lstStyle/>
           <a:p>
-            <a:r>
-              <a:rPr lang="en-US" sz="1200" dirty="0">
-                <a:latin typeface="Times New Roman" panose="02020603050405020304" pitchFamily="18" charset="0"/>
-                <a:cs typeface="Times New Roman" panose="02020603050405020304" pitchFamily="18" charset="0"/>
-              </a:rPr>
-              <a:t>Business topped as highest number of course offered while Nursing and Education had ;same figure at the bottom. </a:t>
-            </a:r>
+            <a:pPr>
+              <a:buFont typeface="+mj-lt"/>
+              <a:buAutoNum type="arabicPeriod"/>
+            </a:pPr>
+            <a:r>
+              <a:rPr lang="en-GB" sz="3300" b="1" dirty="0">
+                <a:latin typeface="Times New Roman" panose="02020603050405020304" pitchFamily="18" charset="0"/>
+                <a:cs typeface="Times New Roman" panose="02020603050405020304" pitchFamily="18" charset="0"/>
+              </a:rPr>
+              <a:t>Checked for missing values</a:t>
+            </a:r>
+            <a:endParaRPr lang="en-GB" sz="3300" dirty="0">
+              <a:latin typeface="Times New Roman" panose="02020603050405020304" pitchFamily="18" charset="0"/>
+              <a:cs typeface="Times New Roman" panose="02020603050405020304" pitchFamily="18" charset="0"/>
+            </a:endParaRPr>
+          </a:p>
+          <a:p>
+            <a:pPr marL="742950" lvl="1" indent="-285750">
+              <a:buFont typeface="+mj-lt"/>
+              <a:buAutoNum type="arabicPeriod"/>
+            </a:pPr>
+            <a:r>
+              <a:rPr lang="en-GB" sz="2900" dirty="0">
+                <a:latin typeface="Times New Roman" panose="02020603050405020304" pitchFamily="18" charset="0"/>
+                <a:cs typeface="Times New Roman" panose="02020603050405020304" pitchFamily="18" charset="0"/>
+              </a:rPr>
+              <a:t>Ensured no null or empty values affected analysis</a:t>
+            </a:r>
+          </a:p>
+          <a:p>
+            <a:pPr>
+              <a:buFont typeface="+mj-lt"/>
+              <a:buAutoNum type="arabicPeriod"/>
+            </a:pPr>
+            <a:r>
+              <a:rPr lang="en-GB" sz="3300" b="1" dirty="0">
+                <a:latin typeface="Times New Roman" panose="02020603050405020304" pitchFamily="18" charset="0"/>
+                <a:cs typeface="Times New Roman" panose="02020603050405020304" pitchFamily="18" charset="0"/>
+              </a:rPr>
+              <a:t>Verified data types</a:t>
+            </a:r>
+            <a:endParaRPr lang="en-GB" sz="3300" dirty="0">
+              <a:latin typeface="Times New Roman" panose="02020603050405020304" pitchFamily="18" charset="0"/>
+              <a:cs typeface="Times New Roman" panose="02020603050405020304" pitchFamily="18" charset="0"/>
+            </a:endParaRPr>
+          </a:p>
+          <a:p>
+            <a:pPr marL="742950" lvl="1" indent="-285750">
+              <a:buFont typeface="+mj-lt"/>
+              <a:buAutoNum type="arabicPeriod"/>
+            </a:pPr>
+            <a:r>
+              <a:rPr lang="en-GB" sz="2900" dirty="0">
+                <a:latin typeface="Times New Roman" panose="02020603050405020304" pitchFamily="18" charset="0"/>
+                <a:cs typeface="Times New Roman" panose="02020603050405020304" pitchFamily="18" charset="0"/>
+              </a:rPr>
+              <a:t>Numerical columns converted correctly</a:t>
+            </a:r>
+          </a:p>
+          <a:p>
+            <a:pPr marL="742950" lvl="1" indent="-285750">
+              <a:buFont typeface="+mj-lt"/>
+              <a:buAutoNum type="arabicPeriod"/>
+            </a:pPr>
+            <a:r>
+              <a:rPr lang="en-GB" sz="2900" dirty="0">
+                <a:latin typeface="Times New Roman" panose="02020603050405020304" pitchFamily="18" charset="0"/>
+                <a:cs typeface="Times New Roman" panose="02020603050405020304" pitchFamily="18" charset="0"/>
+              </a:rPr>
+              <a:t>Categorical values checked</a:t>
+            </a:r>
+          </a:p>
+          <a:p>
+            <a:pPr>
+              <a:buFont typeface="+mj-lt"/>
+              <a:buAutoNum type="arabicPeriod"/>
+            </a:pPr>
+            <a:r>
+              <a:rPr lang="en-GB" sz="3300" b="1" dirty="0">
+                <a:latin typeface="Times New Roman" panose="02020603050405020304" pitchFamily="18" charset="0"/>
+                <a:cs typeface="Times New Roman" panose="02020603050405020304" pitchFamily="18" charset="0"/>
+              </a:rPr>
+              <a:t>Removed inconsistencies</a:t>
+            </a:r>
+            <a:endParaRPr lang="en-GB" sz="3300" dirty="0">
+              <a:latin typeface="Times New Roman" panose="02020603050405020304" pitchFamily="18" charset="0"/>
+              <a:cs typeface="Times New Roman" panose="02020603050405020304" pitchFamily="18" charset="0"/>
+            </a:endParaRPr>
+          </a:p>
+          <a:p>
+            <a:pPr marL="742950" lvl="1" indent="-285750">
+              <a:buFont typeface="+mj-lt"/>
+              <a:buAutoNum type="arabicPeriod"/>
+            </a:pPr>
+            <a:r>
+              <a:rPr lang="en-GB" sz="2900" dirty="0">
+                <a:latin typeface="Times New Roman" panose="02020603050405020304" pitchFamily="18" charset="0"/>
+                <a:cs typeface="Times New Roman" panose="02020603050405020304" pitchFamily="18" charset="0"/>
+              </a:rPr>
+              <a:t>Ensured salary, GPA, and scores were within valid ranges</a:t>
+            </a:r>
+          </a:p>
+          <a:p>
+            <a:pPr>
+              <a:buFont typeface="+mj-lt"/>
+              <a:buAutoNum type="arabicPeriod"/>
+            </a:pPr>
+            <a:r>
+              <a:rPr lang="en-GB" sz="3300" b="1" dirty="0">
+                <a:latin typeface="Times New Roman" panose="02020603050405020304" pitchFamily="18" charset="0"/>
+                <a:cs typeface="Times New Roman" panose="02020603050405020304" pitchFamily="18" charset="0"/>
+              </a:rPr>
+              <a:t>Standardized column names</a:t>
+            </a:r>
+            <a:endParaRPr lang="en-GB" sz="3300" dirty="0">
+              <a:latin typeface="Times New Roman" panose="02020603050405020304" pitchFamily="18" charset="0"/>
+              <a:cs typeface="Times New Roman" panose="02020603050405020304" pitchFamily="18" charset="0"/>
+            </a:endParaRPr>
+          </a:p>
+          <a:p>
+            <a:pPr marL="742950" lvl="1" indent="-285750">
+              <a:buFont typeface="+mj-lt"/>
+              <a:buAutoNum type="arabicPeriod"/>
+            </a:pPr>
+            <a:r>
+              <a:rPr lang="en-GB" sz="2900" dirty="0">
+                <a:latin typeface="Times New Roman" panose="02020603050405020304" pitchFamily="18" charset="0"/>
+                <a:cs typeface="Times New Roman" panose="02020603050405020304" pitchFamily="18" charset="0"/>
+              </a:rPr>
+              <a:t>Improved readability and analysis</a:t>
+            </a:r>
+          </a:p>
+          <a:p>
+            <a:pPr>
+              <a:buFont typeface="+mj-lt"/>
+              <a:buAutoNum type="arabicPeriod"/>
+            </a:pPr>
+            <a:r>
+              <a:rPr lang="en-GB" sz="3300" b="1" dirty="0">
+                <a:latin typeface="Times New Roman" panose="02020603050405020304" pitchFamily="18" charset="0"/>
+                <a:cs typeface="Times New Roman" panose="02020603050405020304" pitchFamily="18" charset="0"/>
+              </a:rPr>
+              <a:t>Prepared data for analysis</a:t>
+            </a:r>
+            <a:endParaRPr lang="en-GB" sz="3300" dirty="0">
+              <a:latin typeface="Times New Roman" panose="02020603050405020304" pitchFamily="18" charset="0"/>
+              <a:cs typeface="Times New Roman" panose="02020603050405020304" pitchFamily="18" charset="0"/>
+            </a:endParaRPr>
+          </a:p>
+          <a:p>
+            <a:pPr marL="742950" lvl="1" indent="-285750">
+              <a:buFont typeface="+mj-lt"/>
+              <a:buAutoNum type="arabicPeriod"/>
+            </a:pPr>
+            <a:r>
+              <a:rPr lang="en-GB" sz="2900" dirty="0">
+                <a:latin typeface="Times New Roman" panose="02020603050405020304" pitchFamily="18" charset="0"/>
+                <a:cs typeface="Times New Roman" panose="02020603050405020304" pitchFamily="18" charset="0"/>
+              </a:rPr>
+              <a:t>Selected relevant columns</a:t>
+            </a:r>
+          </a:p>
+          <a:p>
+            <a:pPr marL="742950" lvl="1" indent="-285750">
+              <a:buFont typeface="+mj-lt"/>
+              <a:buAutoNum type="arabicPeriod"/>
+            </a:pPr>
+            <a:r>
+              <a:rPr lang="en-GB" sz="2900" dirty="0">
+                <a:latin typeface="Times New Roman" panose="02020603050405020304" pitchFamily="18" charset="0"/>
+                <a:cs typeface="Times New Roman" panose="02020603050405020304" pitchFamily="18" charset="0"/>
+              </a:rPr>
+              <a:t>Removed unnecessary fields</a:t>
+            </a:r>
+          </a:p>
+          <a:p>
+            <a:endParaRPr lang="en-US" dirty="0"/>
           </a:p>
         </p:txBody>
       </p:sp>
     </p:spTree>
     <p:extLst>
       <p:ext uri="{BB962C8B-B14F-4D97-AF65-F5344CB8AC3E}">
-        <p14:creationId xmlns:p14="http://schemas.microsoft.com/office/powerpoint/2010/main" val="485464370"/>
+        <p14:creationId xmlns:p14="http://schemas.microsoft.com/office/powerpoint/2010/main" val="654918238"/>
       </p:ext>
     </p:extLst>
   </p:cSld>
@@ -6397,7 +6712,7 @@
           <p:cNvPr id="2" name="Title 1">
             <a:extLst>
               <a:ext uri="{FF2B5EF4-FFF2-40B4-BE49-F238E27FC236}">
-                <a16:creationId xmlns:a16="http://schemas.microsoft.com/office/drawing/2014/main" id="{B21A1E70-BDE8-482E-A7C6-1CC5C5C426A7}"/>
+                <a16:creationId xmlns:a16="http://schemas.microsoft.com/office/drawing/2014/main" id="{44846C00-626D-459F-84C2-162DAC03D4CC}"/>
               </a:ext>
             </a:extLst>
           </p:cNvPr>
@@ -6416,11 +6731,11 @@
           <a:lstStyle/>
           <a:p>
             <a:r>
-              <a:rPr lang="en-US" sz="4400" dirty="0">
-                <a:latin typeface="Times New Roman" panose="02020603050405020304" pitchFamily="18" charset="0"/>
-                <a:cs typeface="Times New Roman" panose="02020603050405020304" pitchFamily="18" charset="0"/>
-              </a:rPr>
-              <a:t>CURRENT JOB LEVEL DISTRIBUTION</a:t>
+              <a:rPr lang="en-US" sz="6600" dirty="0">
+                <a:latin typeface="Times New Roman" panose="02020603050405020304" pitchFamily="18" charset="0"/>
+                <a:cs typeface="Times New Roman" panose="02020603050405020304" pitchFamily="18" charset="0"/>
+              </a:rPr>
+              <a:t>GENDER DISTRIBUTION</a:t>
             </a:r>
           </a:p>
         </p:txBody>
@@ -6430,7 +6745,7 @@
           <p:cNvPr id="4" name="Content Placeholder 3">
             <a:extLst>
               <a:ext uri="{FF2B5EF4-FFF2-40B4-BE49-F238E27FC236}">
-                <a16:creationId xmlns:a16="http://schemas.microsoft.com/office/drawing/2014/main" id="{9E8F46CD-28EF-4D5D-AD5C-19C053ED99D2}"/>
+                <a16:creationId xmlns:a16="http://schemas.microsoft.com/office/drawing/2014/main" id="{CAADE04F-1A76-4C1B-9E3A-DC18DA64AF15}"/>
               </a:ext>
             </a:extLst>
           </p:cNvPr>
@@ -6462,7 +6777,7 @@
           <p:cNvPr id="5" name="TextBox 4">
             <a:extLst>
               <a:ext uri="{FF2B5EF4-FFF2-40B4-BE49-F238E27FC236}">
-                <a16:creationId xmlns:a16="http://schemas.microsoft.com/office/drawing/2014/main" id="{1AD6FA33-8094-450E-B2D4-FDFEE8126A73}"/>
+                <a16:creationId xmlns:a16="http://schemas.microsoft.com/office/drawing/2014/main" id="{1EFA5DA1-F468-4E54-BC67-25FE8AEE6676}"/>
               </a:ext>
             </a:extLst>
           </p:cNvPr>
@@ -6471,8 +6786,8 @@
         </p:nvSpPr>
         <p:spPr>
           <a:xfrm>
-            <a:off x="252247" y="5659434"/>
-            <a:ext cx="2816773" cy="584775"/>
+            <a:off x="515006" y="5868988"/>
+            <a:ext cx="3258207" cy="369332"/>
           </a:xfrm>
           <a:prstGeom prst="rect">
             <a:avLst/>
@@ -6488,11 +6803,11 @@
           <a:lstStyle/>
           <a:p>
             <a:r>
-              <a:rPr lang="en-US" sz="1600" dirty="0">
-                <a:latin typeface="Times New Roman" panose="02020603050405020304" pitchFamily="18" charset="0"/>
-                <a:cs typeface="Times New Roman" panose="02020603050405020304" pitchFamily="18" charset="0"/>
-              </a:rPr>
-              <a:t>Most people are at the mid level of their respective jobs.</a:t>
+              <a:rPr lang="en-US" dirty="0">
+                <a:latin typeface="Times New Roman" panose="02020603050405020304" pitchFamily="18" charset="0"/>
+                <a:cs typeface="Times New Roman" panose="02020603050405020304" pitchFamily="18" charset="0"/>
+              </a:rPr>
+              <a:t>Equal gender distribution. </a:t>
             </a:r>
           </a:p>
         </p:txBody>
@@ -6500,7 +6815,7 @@
     </p:spTree>
     <p:extLst>
       <p:ext uri="{BB962C8B-B14F-4D97-AF65-F5344CB8AC3E}">
-        <p14:creationId xmlns:p14="http://schemas.microsoft.com/office/powerpoint/2010/main" val="2654391083"/>
+        <p14:creationId xmlns:p14="http://schemas.microsoft.com/office/powerpoint/2010/main" val="674894984"/>
       </p:ext>
     </p:extLst>
   </p:cSld>
@@ -6532,7 +6847,7 @@
           <p:cNvPr id="2" name="Title 1">
             <a:extLst>
               <a:ext uri="{FF2B5EF4-FFF2-40B4-BE49-F238E27FC236}">
-                <a16:creationId xmlns:a16="http://schemas.microsoft.com/office/drawing/2014/main" id="{EA354E99-742C-4954-AE92-570F0C710DB1}"/>
+                <a16:creationId xmlns:a16="http://schemas.microsoft.com/office/drawing/2014/main" id="{F2B86D6B-8A40-496E-A48A-D44FA6D8C3DE}"/>
               </a:ext>
             </a:extLst>
           </p:cNvPr>
@@ -6553,7 +6868,84 @@
                 <a:latin typeface="Times New Roman" panose="02020603050405020304" pitchFamily="18" charset="0"/>
                 <a:cs typeface="Times New Roman" panose="02020603050405020304" pitchFamily="18" charset="0"/>
               </a:rPr>
-              <a:t>ANALYSIS</a:t>
+              <a:t>FIELD OF STUDY DISTRIBUTION</a:t>
+            </a:r>
+          </a:p>
+        </p:txBody>
+      </p:sp>
+      <p:pic>
+        <p:nvPicPr>
+          <p:cNvPr id="4" name="Content Placeholder 3">
+            <a:extLst>
+              <a:ext uri="{FF2B5EF4-FFF2-40B4-BE49-F238E27FC236}">
+                <a16:creationId xmlns:a16="http://schemas.microsoft.com/office/drawing/2014/main" id="{E05B5887-4499-4D60-B0F6-1977CCD91A7F}"/>
+              </a:ext>
+            </a:extLst>
+          </p:cNvPr>
+          <p:cNvPicPr>
+            <a:picLocks noGrp="1" noChangeAspect="1"/>
+          </p:cNvPicPr>
+          <p:nvPr>
+            <p:ph idx="1"/>
+          </p:nvPr>
+        </p:nvPicPr>
+        <p:blipFill>
+          <a:blip r:embed="rId2"/>
+          <a:stretch>
+            <a:fillRect/>
+          </a:stretch>
+        </p:blipFill>
+        <p:spPr>
+          <a:xfrm>
+            <a:off x="1973178" y="1846263"/>
+            <a:ext cx="8305969" cy="4022725"/>
+          </a:xfrm>
+          <a:prstGeom prst="rect">
+            <a:avLst/>
+          </a:prstGeom>
+        </p:spPr>
+      </p:pic>
+      <p:sp>
+        <p:nvSpPr>
+          <p:cNvPr id="5" name="TextBox 4">
+            <a:extLst>
+              <a:ext uri="{FF2B5EF4-FFF2-40B4-BE49-F238E27FC236}">
+                <a16:creationId xmlns:a16="http://schemas.microsoft.com/office/drawing/2014/main" id="{D5B270E6-26B3-4360-874F-5777B7FF93AD}"/>
+              </a:ext>
+            </a:extLst>
+          </p:cNvPr>
+          <p:cNvSpPr txBox="1"/>
+          <p:nvPr/>
+        </p:nvSpPr>
+        <p:spPr>
+          <a:xfrm>
+            <a:off x="189186" y="5654725"/>
+            <a:ext cx="2848304" cy="646331"/>
+          </a:xfrm>
+          <a:prstGeom prst="rect">
+            <a:avLst/>
+          </a:prstGeom>
+          <a:solidFill>
+            <a:schemeClr val="accent2"/>
+          </a:solidFill>
+          <a:ln>
+            <a:solidFill>
+              <a:schemeClr val="accent1"/>
+            </a:solidFill>
+          </a:ln>
+        </p:spPr>
+        <p:txBody>
+          <a:bodyPr wrap="square" rtlCol="0">
+            <a:spAutoFit/>
+          </a:bodyPr>
+          <a:lstStyle/>
+          <a:p>
+            <a:r>
+              <a:rPr lang="en-US" sz="1200" dirty="0">
+                <a:latin typeface="Times New Roman" panose="02020603050405020304" pitchFamily="18" charset="0"/>
+                <a:cs typeface="Times New Roman" panose="02020603050405020304" pitchFamily="18" charset="0"/>
+              </a:rPr>
+              <a:t>Business topped as highest number of course offered while Nursing and Education had ;same figure at the bottom. </a:t>
             </a:r>
           </a:p>
         </p:txBody>
@@ -6561,7 +6953,7 @@
     </p:spTree>
     <p:extLst>
       <p:ext uri="{BB962C8B-B14F-4D97-AF65-F5344CB8AC3E}">
-        <p14:creationId xmlns:p14="http://schemas.microsoft.com/office/powerpoint/2010/main" val="3882044890"/>
+        <p14:creationId xmlns:p14="http://schemas.microsoft.com/office/powerpoint/2010/main" val="485464370"/>
       </p:ext>
     </p:extLst>
   </p:cSld>
@@ -6593,7 +6985,7 @@
           <p:cNvPr id="2" name="Title 1">
             <a:extLst>
               <a:ext uri="{FF2B5EF4-FFF2-40B4-BE49-F238E27FC236}">
-                <a16:creationId xmlns:a16="http://schemas.microsoft.com/office/drawing/2014/main" id="{9F7192CB-C1CD-4338-A5A3-7922D04C2489}"/>
+                <a16:creationId xmlns:a16="http://schemas.microsoft.com/office/drawing/2014/main" id="{B21A1E70-BDE8-482E-A7C6-1CC5C5C426A7}"/>
               </a:ext>
             </a:extLst>
           </p:cNvPr>
@@ -6612,11 +7004,11 @@
           <a:lstStyle/>
           <a:p>
             <a:r>
-              <a:rPr lang="en-US" sz="2800" dirty="0">
-                <a:latin typeface="Times New Roman" panose="02020603050405020304" pitchFamily="18" charset="0"/>
-                <a:cs typeface="Times New Roman" panose="02020603050405020304" pitchFamily="18" charset="0"/>
-              </a:rPr>
-              <a:t>ACADEMIC PERFORMANCE(GPA) AND STARTING SALARY</a:t>
+              <a:rPr lang="en-US" sz="4400" dirty="0">
+                <a:latin typeface="Times New Roman" panose="02020603050405020304" pitchFamily="18" charset="0"/>
+                <a:cs typeface="Times New Roman" panose="02020603050405020304" pitchFamily="18" charset="0"/>
+              </a:rPr>
+              <a:t>CURRENT JOB LEVEL DISTRIBUTION</a:t>
             </a:r>
           </a:p>
         </p:txBody>
@@ -6626,7 +7018,7 @@
           <p:cNvPr id="4" name="Content Placeholder 3">
             <a:extLst>
               <a:ext uri="{FF2B5EF4-FFF2-40B4-BE49-F238E27FC236}">
-                <a16:creationId xmlns:a16="http://schemas.microsoft.com/office/drawing/2014/main" id="{8A20236B-A1D3-4CB7-A4B5-FC5D925CC028}"/>
+                <a16:creationId xmlns:a16="http://schemas.microsoft.com/office/drawing/2014/main" id="{9E8F46CD-28EF-4D5D-AD5C-19C053ED99D2}"/>
               </a:ext>
             </a:extLst>
           </p:cNvPr>
@@ -6645,18 +7037,58 @@
         </p:blipFill>
         <p:spPr>
           <a:xfrm>
-            <a:off x="3040647" y="1846263"/>
-            <a:ext cx="6171031" cy="4022725"/>
+            <a:off x="1973178" y="1846263"/>
+            <a:ext cx="8305969" cy="4022725"/>
           </a:xfrm>
           <a:prstGeom prst="rect">
             <a:avLst/>
           </a:prstGeom>
         </p:spPr>
       </p:pic>
+      <p:sp>
+        <p:nvSpPr>
+          <p:cNvPr id="5" name="TextBox 4">
+            <a:extLst>
+              <a:ext uri="{FF2B5EF4-FFF2-40B4-BE49-F238E27FC236}">
+                <a16:creationId xmlns:a16="http://schemas.microsoft.com/office/drawing/2014/main" id="{1AD6FA33-8094-450E-B2D4-FDFEE8126A73}"/>
+              </a:ext>
+            </a:extLst>
+          </p:cNvPr>
+          <p:cNvSpPr txBox="1"/>
+          <p:nvPr/>
+        </p:nvSpPr>
+        <p:spPr>
+          <a:xfrm>
+            <a:off x="252247" y="5659434"/>
+            <a:ext cx="2816773" cy="584775"/>
+          </a:xfrm>
+          <a:prstGeom prst="rect">
+            <a:avLst/>
+          </a:prstGeom>
+          <a:solidFill>
+            <a:schemeClr val="accent2"/>
+          </a:solidFill>
+        </p:spPr>
+        <p:txBody>
+          <a:bodyPr wrap="square" rtlCol="0">
+            <a:spAutoFit/>
+          </a:bodyPr>
+          <a:lstStyle/>
+          <a:p>
+            <a:r>
+              <a:rPr lang="en-US" sz="1600" dirty="0">
+                <a:latin typeface="Times New Roman" panose="02020603050405020304" pitchFamily="18" charset="0"/>
+                <a:cs typeface="Times New Roman" panose="02020603050405020304" pitchFamily="18" charset="0"/>
+              </a:rPr>
+              <a:t>Most people are at the mid level of their respective jobs.</a:t>
+            </a:r>
+          </a:p>
+        </p:txBody>
+      </p:sp>
     </p:spTree>
     <p:extLst>
       <p:ext uri="{BB962C8B-B14F-4D97-AF65-F5344CB8AC3E}">
-        <p14:creationId xmlns:p14="http://schemas.microsoft.com/office/powerpoint/2010/main" val="1816854155"/>
+        <p14:creationId xmlns:p14="http://schemas.microsoft.com/office/powerpoint/2010/main" val="2654391083"/>
       </p:ext>
     </p:extLst>
   </p:cSld>
